--- a/Day 2-3/Slides/3. Understanding Playwright’s Core Concepts/understanding-playwrights-core-concepts-slides.pptx
+++ b/Day 2-3/Slides/3. Understanding Playwright’s Core Concepts/understanding-playwrights-core-concepts-slides.pptx
@@ -5,19 +5,19 @@
     <p:sldMasterId id="2147483648" r:id="rId1"/>
   </p:sldMasterIdLst>
   <p:notesMasterIdLst>
-    <p:notesMasterId r:id="rId12"/>
+    <p:notesMasterId r:id="rId13"/>
   </p:notesMasterIdLst>
   <p:sldIdLst>
-    <p:sldId id="256" r:id="rId2"/>
-    <p:sldId id="257" r:id="rId3"/>
-    <p:sldId id="258" r:id="rId4"/>
-    <p:sldId id="259" r:id="rId5"/>
-    <p:sldId id="260" r:id="rId6"/>
-    <p:sldId id="261" r:id="rId7"/>
-    <p:sldId id="262" r:id="rId8"/>
-    <p:sldId id="263" r:id="rId9"/>
-    <p:sldId id="264" r:id="rId10"/>
-    <p:sldId id="265" r:id="rId11"/>
+    <p:sldId id="256" r:id="rId3"/>
+    <p:sldId id="257" r:id="rId4"/>
+    <p:sldId id="258" r:id="rId5"/>
+    <p:sldId id="259" r:id="rId6"/>
+    <p:sldId id="260" r:id="rId7"/>
+    <p:sldId id="261" r:id="rId8"/>
+    <p:sldId id="262" r:id="rId9"/>
+    <p:sldId id="263" r:id="rId10"/>
+    <p:sldId id="264" r:id="rId11"/>
+    <p:sldId id="265" r:id="rId12"/>
   </p:sldIdLst>
   <p:sldSz cx="18288000" cy="10287000"/>
   <p:notesSz cx="18288000" cy="10287000"/>
@@ -119,12 +119,12 @@
   <p:extLst>
     <p:ext uri="{EFAFB233-063F-42B5-8137-9DF3F51BA10A}">
       <p15:sldGuideLst xmlns:p15="http://schemas.microsoft.com/office/powerpoint/2012/main">
-        <p15:guide id="1" orient="horz" pos="2880">
+        <p15:guide id="1" orient="horz" pos="2880" userDrawn="1">
           <p15:clr>
             <a:srgbClr val="A4A3A4"/>
           </p15:clr>
         </p15:guide>
-        <p15:guide id="2" pos="2160">
+        <p15:guide id="2" pos="2160" userDrawn="1">
           <p15:clr>
             <a:srgbClr val="A4A3A4"/>
           </p15:clr>
@@ -217,7 +217,6 @@
           <a:p>
             <a:fld id="{782A1E33-8A35-4C11-8075-AFBC42485488}" type="datetimeFigureOut">
               <a:rPr lang="en-IN" smtClean="0"/>
-              <a:t>06-07-2024</a:t>
             </a:fld>
             <a:endParaRPr lang="en-IN"/>
           </a:p>
@@ -284,6 +283,7 @@
               <a:rPr lang="en-US"/>
               <a:t>Click to edit Master text styles</a:t>
             </a:r>
+            <a:endParaRPr lang="en-US"/>
           </a:p>
           <a:p>
             <a:pPr lvl="1"/>
@@ -291,6 +291,7 @@
               <a:rPr lang="en-US"/>
               <a:t>Second level</a:t>
             </a:r>
+            <a:endParaRPr lang="en-US"/>
           </a:p>
           <a:p>
             <a:pPr lvl="2"/>
@@ -298,6 +299,7 @@
               <a:rPr lang="en-US"/>
               <a:t>Third level</a:t>
             </a:r>
+            <a:endParaRPr lang="en-US"/>
           </a:p>
           <a:p>
             <a:pPr lvl="3"/>
@@ -305,6 +307,7 @@
               <a:rPr lang="en-US"/>
               <a:t>Fourth level</a:t>
             </a:r>
+            <a:endParaRPr lang="en-US"/>
           </a:p>
           <a:p>
             <a:pPr lvl="4"/>
@@ -376,18 +379,12 @@
           <a:p>
             <a:fld id="{8F8AA4DA-E94C-4C8E-9E25-9FEC9547393E}" type="slidenum">
               <a:rPr lang="en-IN" smtClean="0"/>
-              <a:t>‹#›</a:t>
             </a:fld>
             <a:endParaRPr lang="en-IN"/>
           </a:p>
         </p:txBody>
       </p:sp>
     </p:spTree>
-    <p:extLst>
-      <p:ext uri="{BB962C8B-B14F-4D97-AF65-F5344CB8AC3E}">
-        <p14:creationId xmlns:p14="http://schemas.microsoft.com/office/powerpoint/2010/main" val="721945186"/>
-      </p:ext>
-    </p:extLst>
   </p:cSld>
   <p:clrMap bg1="lt1" tx1="dk1" bg2="lt2" tx2="dk2" accent1="accent1" accent2="accent2" accent3="accent3" accent4="accent4" accent5="accent5" accent6="accent6" hlink="hlink" folHlink="folHlink"/>
   <p:notesStyle>
@@ -534,9 +531,7 @@
               </a:defRPr>
             </a:lvl1pPr>
           </a:lstStyle>
-          <a:p>
-            <a:endParaRPr/>
-          </a:p>
+          <a:p/>
         </p:txBody>
       </p:sp>
       <p:sp>
@@ -571,9 +566,7 @@
               </a:defRPr>
             </a:lvl1pPr>
           </a:lstStyle>
-          <a:p>
-            <a:endParaRPr/>
-          </a:p>
+          <a:p/>
         </p:txBody>
       </p:sp>
       <p:sp>
@@ -600,9 +593,7 @@
               </a:defRPr>
             </a:lvl1pPr>
           </a:lstStyle>
-          <a:p>
-            <a:endParaRPr/>
-          </a:p>
+          <a:p/>
         </p:txBody>
       </p:sp>
       <p:sp>
@@ -632,7 +623,6 @@
           <a:p>
             <a:fld id="{CD5D6893-79CF-4E00-82C6-7E2ED0C80FC1}" type="datetime1">
               <a:rPr lang="en-US" smtClean="0"/>
-              <a:t>7/6/2024</a:t>
             </a:fld>
             <a:endParaRPr lang="en-US"/>
           </a:p>
@@ -664,7 +654,7 @@
           </a:lstStyle>
           <a:p>
             <a:fld id="{B6F15528-21DE-4FAA-801E-634DDDAF4B2B}" type="slidenum">
-              <a:t>‹#›</a:t>
+              <a:rPr/>
             </a:fld>
             <a:endParaRPr/>
           </a:p>
@@ -679,7 +669,7 @@
 </file>
 
 <file path=ppt/slideLayouts/slideLayout2.xml><?xml version="1.0" encoding="utf-8"?>
-<p:sldLayout xmlns:a="http://schemas.openxmlformats.org/drawingml/2006/main" xmlns:r="http://schemas.openxmlformats.org/officeDocument/2006/relationships" xmlns:p="http://schemas.openxmlformats.org/presentationml/2006/main" showMasterSp="0" type="obj" preserve="1">
+<p:sldLayout xmlns:a="http://schemas.openxmlformats.org/drawingml/2006/main" xmlns:r="http://schemas.openxmlformats.org/officeDocument/2006/relationships" xmlns:p="http://schemas.openxmlformats.org/presentationml/2006/main" type="obj" preserve="1" showMasterSp="0">
   <p:cSld name="Title and Content">
     <p:bg>
       <p:bgPr>
@@ -722,14 +712,12 @@
                 <a:solidFill>
                   <a:srgbClr val="130F25"/>
                 </a:solidFill>
-                <a:latin typeface="Arial"/>
-                <a:cs typeface="Arial"/>
+                <a:latin typeface="Arial" panose="020B0604020202020204"/>
+                <a:cs typeface="Arial" panose="020B0604020202020204"/>
               </a:defRPr>
             </a:lvl1pPr>
           </a:lstStyle>
-          <a:p>
-            <a:endParaRPr/>
-          </a:p>
+          <a:p/>
         </p:txBody>
       </p:sp>
       <p:sp>
@@ -751,14 +739,12 @@
                 <a:solidFill>
                   <a:srgbClr val="130F24"/>
                 </a:solidFill>
-                <a:latin typeface="Arial"/>
-                <a:cs typeface="Arial"/>
+                <a:latin typeface="Arial" panose="020B0604020202020204"/>
+                <a:cs typeface="Arial" panose="020B0604020202020204"/>
               </a:defRPr>
             </a:lvl1pPr>
           </a:lstStyle>
-          <a:p>
-            <a:endParaRPr/>
-          </a:p>
+          <a:p/>
         </p:txBody>
       </p:sp>
       <p:sp>
@@ -785,9 +771,7 @@
               </a:defRPr>
             </a:lvl1pPr>
           </a:lstStyle>
-          <a:p>
-            <a:endParaRPr/>
-          </a:p>
+          <a:p/>
         </p:txBody>
       </p:sp>
       <p:sp>
@@ -817,7 +801,6 @@
           <a:p>
             <a:fld id="{A065D01D-2984-4251-879F-D3A9C423317C}" type="datetime1">
               <a:rPr lang="en-US" smtClean="0"/>
-              <a:t>7/6/2024</a:t>
             </a:fld>
             <a:endParaRPr lang="en-US"/>
           </a:p>
@@ -849,7 +832,7 @@
           </a:lstStyle>
           <a:p>
             <a:fld id="{B6F15528-21DE-4FAA-801E-634DDDAF4B2B}" type="slidenum">
-              <a:t>‹#›</a:t>
+              <a:rPr/>
             </a:fld>
             <a:endParaRPr/>
           </a:p>
@@ -899,14 +882,12 @@
                 <a:solidFill>
                   <a:srgbClr val="130F25"/>
                 </a:solidFill>
-                <a:latin typeface="Arial"/>
-                <a:cs typeface="Arial"/>
+                <a:latin typeface="Arial" panose="020B0604020202020204"/>
+                <a:cs typeface="Arial" panose="020B0604020202020204"/>
               </a:defRPr>
             </a:lvl1pPr>
           </a:lstStyle>
-          <a:p>
-            <a:endParaRPr/>
-          </a:p>
+          <a:p/>
         </p:txBody>
       </p:sp>
       <p:sp>
@@ -937,9 +918,7 @@
               <a:defRPr/>
             </a:lvl1pPr>
           </a:lstStyle>
-          <a:p>
-            <a:endParaRPr/>
-          </a:p>
+          <a:p/>
         </p:txBody>
       </p:sp>
       <p:sp>
@@ -970,9 +949,7 @@
               <a:defRPr/>
             </a:lvl1pPr>
           </a:lstStyle>
-          <a:p>
-            <a:endParaRPr/>
-          </a:p>
+          <a:p/>
         </p:txBody>
       </p:sp>
       <p:sp>
@@ -999,9 +976,7 @@
               </a:defRPr>
             </a:lvl1pPr>
           </a:lstStyle>
-          <a:p>
-            <a:endParaRPr/>
-          </a:p>
+          <a:p/>
         </p:txBody>
       </p:sp>
       <p:sp>
@@ -1031,7 +1006,6 @@
           <a:p>
             <a:fld id="{A0006E32-305A-42A9-96E1-938E51F2920C}" type="datetime1">
               <a:rPr lang="en-US" smtClean="0"/>
-              <a:t>7/6/2024</a:t>
             </a:fld>
             <a:endParaRPr lang="en-US"/>
           </a:p>
@@ -1063,7 +1037,7 @@
           </a:lstStyle>
           <a:p>
             <a:fld id="{B6F15528-21DE-4FAA-801E-634DDDAF4B2B}" type="slidenum">
-              <a:t>‹#›</a:t>
+              <a:rPr/>
             </a:fld>
             <a:endParaRPr/>
           </a:p>
@@ -1113,14 +1087,12 @@
                 <a:solidFill>
                   <a:srgbClr val="130F25"/>
                 </a:solidFill>
-                <a:latin typeface="Arial"/>
-                <a:cs typeface="Arial"/>
+                <a:latin typeface="Arial" panose="020B0604020202020204"/>
+                <a:cs typeface="Arial" panose="020B0604020202020204"/>
               </a:defRPr>
             </a:lvl1pPr>
           </a:lstStyle>
-          <a:p>
-            <a:endParaRPr/>
-          </a:p>
+          <a:p/>
         </p:txBody>
       </p:sp>
       <p:sp>
@@ -1147,9 +1119,7 @@
               </a:defRPr>
             </a:lvl1pPr>
           </a:lstStyle>
-          <a:p>
-            <a:endParaRPr/>
-          </a:p>
+          <a:p/>
         </p:txBody>
       </p:sp>
       <p:sp>
@@ -1179,7 +1149,6 @@
           <a:p>
             <a:fld id="{06854E15-7C01-4E57-AF49-9A6ED862282F}" type="datetime1">
               <a:rPr lang="en-US" smtClean="0"/>
-              <a:t>7/6/2024</a:t>
             </a:fld>
             <a:endParaRPr lang="en-US"/>
           </a:p>
@@ -1211,7 +1180,7 @@
           </a:lstStyle>
           <a:p>
             <a:fld id="{B6F15528-21DE-4FAA-801E-634DDDAF4B2B}" type="slidenum">
-              <a:t>‹#›</a:t>
+              <a:rPr/>
             </a:fld>
             <a:endParaRPr/>
           </a:p>
@@ -1266,9 +1235,7 @@
               </a:defRPr>
             </a:lvl1pPr>
           </a:lstStyle>
-          <a:p>
-            <a:endParaRPr/>
-          </a:p>
+          <a:p/>
         </p:txBody>
       </p:sp>
       <p:sp>
@@ -1298,7 +1265,6 @@
           <a:p>
             <a:fld id="{EECF2263-94CC-4BE5-860E-C028C4966C94}" type="datetime1">
               <a:rPr lang="en-US" smtClean="0"/>
-              <a:t>7/6/2024</a:t>
             </a:fld>
             <a:endParaRPr lang="en-US"/>
           </a:p>
@@ -1330,7 +1296,7 @@
           </a:lstStyle>
           <a:p>
             <a:fld id="{B6F15528-21DE-4FAA-801E-634DDDAF4B2B}" type="slidenum">
-              <a:t>‹#›</a:t>
+              <a:rPr/>
             </a:fld>
             <a:endParaRPr/>
           </a:p>
@@ -1414,9 +1380,7 @@
         <p:txBody>
           <a:bodyPr wrap="square" lIns="0" tIns="0" rIns="0" bIns="0" rtlCol="0"/>
           <a:lstStyle/>
-          <a:p>
-            <a:endParaRPr/>
-          </a:p>
+          <a:p/>
         </p:txBody>
       </p:sp>
       <p:sp>
@@ -1448,14 +1412,12 @@
                 <a:solidFill>
                   <a:srgbClr val="130F25"/>
                 </a:solidFill>
-                <a:latin typeface="Arial"/>
-                <a:cs typeface="Arial"/>
+                <a:latin typeface="Arial" panose="020B0604020202020204"/>
+                <a:cs typeface="Arial" panose="020B0604020202020204"/>
               </a:defRPr>
             </a:lvl1pPr>
           </a:lstStyle>
-          <a:p>
-            <a:endParaRPr/>
-          </a:p>
+          <a:p/>
         </p:txBody>
       </p:sp>
       <p:sp>
@@ -1487,14 +1449,12 @@
                 <a:solidFill>
                   <a:srgbClr val="130F24"/>
                 </a:solidFill>
-                <a:latin typeface="Arial"/>
-                <a:cs typeface="Arial"/>
+                <a:latin typeface="Arial" panose="020B0604020202020204"/>
+                <a:cs typeface="Arial" panose="020B0604020202020204"/>
               </a:defRPr>
             </a:lvl1pPr>
           </a:lstStyle>
-          <a:p>
-            <a:endParaRPr/>
-          </a:p>
+          <a:p/>
         </p:txBody>
       </p:sp>
       <p:sp>
@@ -1531,9 +1491,7 @@
               </a:defRPr>
             </a:lvl1pPr>
           </a:lstStyle>
-          <a:p>
-            <a:endParaRPr/>
-          </a:p>
+          <a:p/>
         </p:txBody>
       </p:sp>
       <p:sp>
@@ -1573,7 +1531,6 @@
           <a:p>
             <a:fld id="{3172B8EF-CD28-405B-BEDF-0A29C6338DF9}" type="datetime1">
               <a:rPr lang="en-US" smtClean="0"/>
-              <a:t>7/6/2024</a:t>
             </a:fld>
             <a:endParaRPr lang="en-US"/>
           </a:p>
@@ -1615,7 +1572,7 @@
           </a:lstStyle>
           <a:p>
             <a:fld id="{B6F15528-21DE-4FAA-801E-634DDDAF4B2B}" type="slidenum">
-              <a:t>‹#›</a:t>
+              <a:rPr/>
             </a:fld>
             <a:endParaRPr/>
           </a:p>
@@ -1625,11 +1582,11 @@
   </p:cSld>
   <p:clrMap bg1="lt1" tx1="dk1" bg2="lt2" tx2="dk2" accent1="accent1" accent2="accent2" accent3="accent3" accent4="accent4" accent5="accent5" accent6="accent6" hlink="hlink" folHlink="folHlink"/>
   <p:sldLayoutIdLst>
-    <p:sldLayoutId id="2147483661" r:id="rId1"/>
-    <p:sldLayoutId id="2147483662" r:id="rId2"/>
-    <p:sldLayoutId id="2147483663" r:id="rId3"/>
-    <p:sldLayoutId id="2147483664" r:id="rId4"/>
-    <p:sldLayoutId id="2147483665" r:id="rId5"/>
+    <p:sldLayoutId id="2147483649" r:id="rId1"/>
+    <p:sldLayoutId id="2147483650" r:id="rId2"/>
+    <p:sldLayoutId id="2147483651" r:id="rId3"/>
+    <p:sldLayoutId id="2147483652" r:id="rId4"/>
+    <p:sldLayoutId id="2147483653" r:id="rId5"/>
   </p:sldLayoutIdLst>
   <p:hf hdr="0" ftr="0" dt="0"/>
   <p:txStyles>
@@ -1801,7 +1758,7 @@
         </p:nvGrpSpPr>
         <p:grpSpPr>
           <a:xfrm>
-            <a:off x="0" y="0"/>
+            <a:off x="-762000" y="723900"/>
             <a:ext cx="18288000" cy="10287000"/>
             <a:chOff x="0" y="0"/>
             <a:chExt cx="18288000" cy="10287000"/>
@@ -1814,7 +1771,7 @@
             <p:nvPr/>
           </p:nvPicPr>
           <p:blipFill>
-            <a:blip r:embed="rId2" cstate="print"/>
+            <a:blip r:embed="rId1" cstate="print"/>
             <a:stretch>
               <a:fillRect/>
             </a:stretch>
@@ -1836,7 +1793,7 @@
             <p:nvPr/>
           </p:nvPicPr>
           <p:blipFill>
-            <a:blip r:embed="rId3" cstate="print"/>
+            <a:blip r:embed="rId2" cstate="print"/>
             <a:stretch>
               <a:fillRect/>
             </a:stretch>
@@ -1858,7 +1815,7 @@
             <p:nvPr/>
           </p:nvPicPr>
           <p:blipFill>
-            <a:blip r:embed="rId4" cstate="print"/>
+            <a:blip r:embed="rId3" cstate="print"/>
             <a:stretch>
               <a:fillRect/>
             </a:stretch>
@@ -1931,6 +1888,7 @@
               <a:rPr spc="175" dirty="0"/>
               <a:t>Concepts</a:t>
             </a:r>
+            <a:endParaRPr spc="175" dirty="0"/>
           </a:p>
         </p:txBody>
       </p:sp>
@@ -1955,7 +1913,7 @@
             <p:nvPr/>
           </p:nvPicPr>
           <p:blipFill>
-            <a:blip r:embed="rId5" cstate="print"/>
+            <a:blip r:embed="rId4" cstate="print"/>
             <a:stretch>
               <a:fillRect/>
             </a:stretch>
@@ -2423,21 +2381,13 @@
           <p:txBody>
             <a:bodyPr wrap="square" lIns="0" tIns="0" rIns="0" bIns="0" rtlCol="0"/>
             <a:lstStyle/>
-            <a:p>
-              <a:endParaRPr/>
-            </a:p>
+            <a:p/>
           </p:txBody>
         </p:sp>
       </p:grpSp>
       <p:sp>
         <p:nvSpPr>
-          <p:cNvPr id="11" name="Slide Number Placeholder 10">
-            <a:extLst>
-              <a:ext uri="{FF2B5EF4-FFF2-40B4-BE49-F238E27FC236}">
-                <a16:creationId xmlns:a16="http://schemas.microsoft.com/office/drawing/2014/main" id="{529F39BF-08B3-1039-1510-B2AFF676FA07}"/>
-              </a:ext>
-            </a:extLst>
-          </p:cNvPr>
+          <p:cNvPr id="11" name="Slide Number Placeholder 10"/>
           <p:cNvSpPr>
             <a:spLocks noGrp="1"/>
           </p:cNvSpPr>
@@ -2452,7 +2402,6 @@
           <a:p>
             <a:fld id="{B6F15528-21DE-4FAA-801E-634DDDAF4B2B}" type="slidenum">
               <a:rPr lang="en-IN" smtClean="0"/>
-              <a:t>1</a:t>
             </a:fld>
             <a:endParaRPr lang="en-IN"/>
           </a:p>
@@ -2517,8 +2466,8 @@
                 <a:solidFill>
                   <a:srgbClr val="130F25"/>
                 </a:solidFill>
-                <a:latin typeface="Arial"/>
-                <a:cs typeface="Arial"/>
+                <a:latin typeface="Arial" panose="020B0604020202020204"/>
+                <a:cs typeface="Arial" panose="020B0604020202020204"/>
               </a:rPr>
               <a:t>Up</a:t>
             </a:r>
@@ -2527,8 +2476,8 @@
                 <a:solidFill>
                   <a:srgbClr val="130F25"/>
                 </a:solidFill>
-                <a:latin typeface="Arial"/>
-                <a:cs typeface="Arial"/>
+                <a:latin typeface="Arial" panose="020B0604020202020204"/>
+                <a:cs typeface="Arial" panose="020B0604020202020204"/>
               </a:rPr>
               <a:t> </a:t>
             </a:r>
@@ -2537,14 +2486,14 @@
                 <a:solidFill>
                   <a:srgbClr val="130F25"/>
                 </a:solidFill>
-                <a:latin typeface="Arial"/>
-                <a:cs typeface="Arial"/>
+                <a:latin typeface="Arial" panose="020B0604020202020204"/>
+                <a:cs typeface="Arial" panose="020B0604020202020204"/>
               </a:rPr>
               <a:t>Next:</a:t>
             </a:r>
             <a:endParaRPr sz="3600">
-              <a:latin typeface="Arial"/>
-              <a:cs typeface="Arial"/>
+              <a:latin typeface="Arial" panose="020B0604020202020204"/>
+              <a:cs typeface="Arial" panose="020B0604020202020204"/>
             </a:endParaRPr>
           </a:p>
         </p:txBody>
@@ -2583,8 +2532,8 @@
                 <a:solidFill>
                   <a:srgbClr val="130F25"/>
                 </a:solidFill>
-                <a:latin typeface="Arial"/>
-                <a:cs typeface="Arial"/>
+                <a:latin typeface="Arial" panose="020B0604020202020204"/>
+                <a:cs typeface="Arial" panose="020B0604020202020204"/>
               </a:rPr>
               <a:t>Using</a:t>
             </a:r>
@@ -2593,8 +2542,8 @@
                 <a:solidFill>
                   <a:srgbClr val="130F25"/>
                 </a:solidFill>
-                <a:latin typeface="Arial"/>
-                <a:cs typeface="Arial"/>
+                <a:latin typeface="Arial" panose="020B0604020202020204"/>
+                <a:cs typeface="Arial" panose="020B0604020202020204"/>
               </a:rPr>
               <a:t> </a:t>
             </a:r>
@@ -2603,27 +2552,21 @@
                 <a:solidFill>
                   <a:srgbClr val="130F25"/>
                 </a:solidFill>
-                <a:latin typeface="Arial"/>
-                <a:cs typeface="Arial"/>
+                <a:latin typeface="Arial" panose="020B0604020202020204"/>
+                <a:cs typeface="Arial" panose="020B0604020202020204"/>
               </a:rPr>
               <a:t>Locators</a:t>
             </a:r>
             <a:endParaRPr sz="6000">
-              <a:latin typeface="Arial"/>
-              <a:cs typeface="Arial"/>
+              <a:latin typeface="Arial" panose="020B0604020202020204"/>
+              <a:cs typeface="Arial" panose="020B0604020202020204"/>
             </a:endParaRPr>
           </a:p>
         </p:txBody>
       </p:sp>
       <p:sp>
         <p:nvSpPr>
-          <p:cNvPr id="8" name="Slide Number Placeholder 7">
-            <a:extLst>
-              <a:ext uri="{FF2B5EF4-FFF2-40B4-BE49-F238E27FC236}">
-                <a16:creationId xmlns:a16="http://schemas.microsoft.com/office/drawing/2014/main" id="{7E3E6FF8-899D-9A52-593A-C9B2D2056274}"/>
-              </a:ext>
-            </a:extLst>
-          </p:cNvPr>
+          <p:cNvPr id="8" name="Slide Number Placeholder 7"/>
           <p:cNvSpPr>
             <a:spLocks noGrp="1"/>
           </p:cNvSpPr>
@@ -2638,7 +2581,6 @@
           <a:p>
             <a:fld id="{B6F15528-21DE-4FAA-801E-634DDDAF4B2B}" type="slidenum">
               <a:rPr lang="en-IN" smtClean="0"/>
-              <a:t>10</a:t>
             </a:fld>
             <a:endParaRPr lang="en-IN"/>
           </a:p>
@@ -2646,20 +2588,14 @@
       </p:sp>
       <p:pic>
         <p:nvPicPr>
-          <p:cNvPr id="10" name="Picture 9">
-            <a:extLst>
-              <a:ext uri="{FF2B5EF4-FFF2-40B4-BE49-F238E27FC236}">
-                <a16:creationId xmlns:a16="http://schemas.microsoft.com/office/drawing/2014/main" id="{68B3C9DF-868F-948A-324D-D8B55A054555}"/>
-              </a:ext>
-            </a:extLst>
-          </p:cNvPr>
+          <p:cNvPr id="10" name="Picture 9"/>
           <p:cNvPicPr>
             <a:picLocks noChangeAspect="1"/>
           </p:cNvPicPr>
           <p:nvPr/>
         </p:nvPicPr>
         <p:blipFill>
-          <a:blip r:embed="rId2"/>
+          <a:blip r:embed="rId1"/>
           <a:stretch>
             <a:fillRect/>
           </a:stretch>
@@ -2706,7 +2642,7 @@
           <p:nvPr/>
         </p:nvPicPr>
         <p:blipFill>
-          <a:blip r:embed="rId2" cstate="print"/>
+          <a:blip r:embed="rId1" cstate="print"/>
           <a:stretch>
             <a:fillRect/>
           </a:stretch>
@@ -2755,8 +2691,8 @@
                 <a:solidFill>
                   <a:srgbClr val="FF1675"/>
                 </a:solidFill>
-                <a:latin typeface="Arial"/>
-                <a:cs typeface="Arial"/>
+                <a:latin typeface="Arial" panose="020B0604020202020204"/>
+                <a:cs typeface="Arial" panose="020B0604020202020204"/>
               </a:rPr>
               <a:t>test()</a:t>
             </a:r>
@@ -2765,8 +2701,8 @@
                 <a:solidFill>
                   <a:srgbClr val="FF1675"/>
                 </a:solidFill>
-                <a:latin typeface="Arial"/>
-                <a:cs typeface="Arial"/>
+                <a:latin typeface="Arial" panose="020B0604020202020204"/>
+                <a:cs typeface="Arial" panose="020B0604020202020204"/>
               </a:rPr>
               <a:t> </a:t>
             </a:r>
@@ -2775,14 +2711,14 @@
                 <a:solidFill>
                   <a:srgbClr val="FF1675"/>
                 </a:solidFill>
-                <a:latin typeface="Arial"/>
-                <a:cs typeface="Arial"/>
+                <a:latin typeface="Arial" panose="020B0604020202020204"/>
+                <a:cs typeface="Arial" panose="020B0604020202020204"/>
               </a:rPr>
               <a:t>function</a:t>
             </a:r>
             <a:endParaRPr sz="3600">
-              <a:latin typeface="Arial"/>
-              <a:cs typeface="Arial"/>
+              <a:latin typeface="Arial" panose="020B0604020202020204"/>
+              <a:cs typeface="Arial" panose="020B0604020202020204"/>
             </a:endParaRPr>
           </a:p>
           <a:p>
@@ -2799,20 +2735,20 @@
                 <a:solidFill>
                   <a:srgbClr val="FF1675"/>
                 </a:solidFill>
-                <a:latin typeface="Arial"/>
-                <a:cs typeface="Arial"/>
+                <a:latin typeface="Arial" panose="020B0604020202020204"/>
+                <a:cs typeface="Arial" panose="020B0604020202020204"/>
               </a:rPr>
               <a:t>Fixtures</a:t>
             </a:r>
             <a:endParaRPr sz="3600">
-              <a:latin typeface="Arial"/>
-              <a:cs typeface="Arial"/>
+              <a:latin typeface="Arial" panose="020B0604020202020204"/>
+              <a:cs typeface="Arial" panose="020B0604020202020204"/>
             </a:endParaRPr>
           </a:p>
           <a:p>
             <a:pPr marL="12700" marR="5080">
               <a:lnSpc>
-                <a:spcPts val="7009"/>
+                <a:spcPts val="7010"/>
               </a:lnSpc>
               <a:spcBef>
                 <a:spcPts val="455"/>
@@ -2823,8 +2759,8 @@
                 <a:solidFill>
                   <a:srgbClr val="FF1675"/>
                 </a:solidFill>
-                <a:latin typeface="Arial"/>
-                <a:cs typeface="Arial"/>
+                <a:latin typeface="Arial" panose="020B0604020202020204"/>
+                <a:cs typeface="Arial" panose="020B0604020202020204"/>
               </a:rPr>
               <a:t>expect() </a:t>
             </a:r>
@@ -2833,8 +2769,8 @@
                 <a:solidFill>
                   <a:srgbClr val="FF1675"/>
                 </a:solidFill>
-                <a:latin typeface="Arial"/>
-                <a:cs typeface="Arial"/>
+                <a:latin typeface="Arial" panose="020B0604020202020204"/>
+                <a:cs typeface="Arial" panose="020B0604020202020204"/>
               </a:rPr>
               <a:t>for </a:t>
             </a:r>
@@ -2843,8 +2779,8 @@
                 <a:solidFill>
                   <a:srgbClr val="FF1675"/>
                 </a:solidFill>
-                <a:latin typeface="Arial"/>
-                <a:cs typeface="Arial"/>
+                <a:latin typeface="Arial" panose="020B0604020202020204"/>
+                <a:cs typeface="Arial" panose="020B0604020202020204"/>
               </a:rPr>
               <a:t>assertions </a:t>
             </a:r>
@@ -2853,8 +2789,8 @@
                 <a:solidFill>
                   <a:srgbClr val="FF1675"/>
                 </a:solidFill>
-                <a:latin typeface="Arial"/>
-                <a:cs typeface="Arial"/>
+                <a:latin typeface="Arial" panose="020B0604020202020204"/>
+                <a:cs typeface="Arial" panose="020B0604020202020204"/>
               </a:rPr>
               <a:t> </a:t>
             </a:r>
@@ -2863,8 +2799,8 @@
                 <a:solidFill>
                   <a:srgbClr val="FF1675"/>
                 </a:solidFill>
-                <a:latin typeface="Arial"/>
-                <a:cs typeface="Arial"/>
+                <a:latin typeface="Arial" panose="020B0604020202020204"/>
+                <a:cs typeface="Arial" panose="020B0604020202020204"/>
               </a:rPr>
               <a:t>async-await</a:t>
             </a:r>
@@ -2873,8 +2809,8 @@
                 <a:solidFill>
                   <a:srgbClr val="FF1675"/>
                 </a:solidFill>
-                <a:latin typeface="Arial"/>
-                <a:cs typeface="Arial"/>
+                <a:latin typeface="Arial" panose="020B0604020202020204"/>
+                <a:cs typeface="Arial" panose="020B0604020202020204"/>
               </a:rPr>
               <a:t> </a:t>
             </a:r>
@@ -2883,8 +2819,8 @@
                 <a:solidFill>
                   <a:srgbClr val="FF1675"/>
                 </a:solidFill>
-                <a:latin typeface="Arial"/>
-                <a:cs typeface="Arial"/>
+                <a:latin typeface="Arial" panose="020B0604020202020204"/>
+                <a:cs typeface="Arial" panose="020B0604020202020204"/>
               </a:rPr>
               <a:t>syntax</a:t>
             </a:r>
@@ -2893,8 +2829,8 @@
                 <a:solidFill>
                   <a:srgbClr val="FF1675"/>
                 </a:solidFill>
-                <a:latin typeface="Arial"/>
-                <a:cs typeface="Arial"/>
+                <a:latin typeface="Arial" panose="020B0604020202020204"/>
+                <a:cs typeface="Arial" panose="020B0604020202020204"/>
               </a:rPr>
               <a:t> </a:t>
             </a:r>
@@ -2903,14 +2839,14 @@
                 <a:solidFill>
                   <a:srgbClr val="FF1675"/>
                 </a:solidFill>
-                <a:latin typeface="Arial"/>
-                <a:cs typeface="Arial"/>
+                <a:latin typeface="Arial" panose="020B0604020202020204"/>
+                <a:cs typeface="Arial" panose="020B0604020202020204"/>
               </a:rPr>
               <a:t>tips</a:t>
             </a:r>
             <a:endParaRPr sz="3600">
-              <a:latin typeface="Arial"/>
-              <a:cs typeface="Arial"/>
+              <a:latin typeface="Arial" panose="020B0604020202020204"/>
+              <a:cs typeface="Arial" panose="020B0604020202020204"/>
             </a:endParaRPr>
           </a:p>
         </p:txBody>
@@ -2949,27 +2885,21 @@
                 <a:solidFill>
                   <a:srgbClr val="FFFFFF"/>
                 </a:solidFill>
-                <a:latin typeface="Arial"/>
-                <a:cs typeface="Arial"/>
+                <a:latin typeface="Arial" panose="020B0604020202020204"/>
+                <a:cs typeface="Arial" panose="020B0604020202020204"/>
               </a:rPr>
               <a:t>Overview</a:t>
             </a:r>
             <a:endParaRPr sz="4500">
-              <a:latin typeface="Arial"/>
-              <a:cs typeface="Arial"/>
+              <a:latin typeface="Arial" panose="020B0604020202020204"/>
+              <a:cs typeface="Arial" panose="020B0604020202020204"/>
             </a:endParaRPr>
           </a:p>
         </p:txBody>
       </p:sp>
       <p:sp>
         <p:nvSpPr>
-          <p:cNvPr id="6" name="Slide Number Placeholder 5">
-            <a:extLst>
-              <a:ext uri="{FF2B5EF4-FFF2-40B4-BE49-F238E27FC236}">
-                <a16:creationId xmlns:a16="http://schemas.microsoft.com/office/drawing/2014/main" id="{FE568CAF-3E21-4062-575A-B29DAEAB994B}"/>
-              </a:ext>
-            </a:extLst>
-          </p:cNvPr>
+          <p:cNvPr id="6" name="Slide Number Placeholder 5"/>
           <p:cNvSpPr>
             <a:spLocks noGrp="1"/>
           </p:cNvSpPr>
@@ -2984,7 +2914,6 @@
           <a:p>
             <a:fld id="{B6F15528-21DE-4FAA-801E-634DDDAF4B2B}" type="slidenum">
               <a:rPr lang="en-IN" smtClean="0"/>
-              <a:t>2</a:t>
             </a:fld>
             <a:endParaRPr lang="en-IN"/>
           </a:p>
@@ -3049,8 +2978,8 @@
                 <a:solidFill>
                   <a:srgbClr val="FF1675"/>
                 </a:solidFill>
-                <a:latin typeface="Courier New"/>
-                <a:cs typeface="Courier New"/>
+                <a:latin typeface="Courier New" panose="02070309020205020404"/>
+                <a:cs typeface="Courier New" panose="02070309020205020404"/>
               </a:rPr>
               <a:t>import</a:t>
             </a:r>
@@ -3059,8 +2988,8 @@
                 <a:solidFill>
                   <a:srgbClr val="FF1675"/>
                 </a:solidFill>
-                <a:latin typeface="Courier New"/>
-                <a:cs typeface="Courier New"/>
+                <a:latin typeface="Courier New" panose="02070309020205020404"/>
+                <a:cs typeface="Courier New" panose="02070309020205020404"/>
               </a:rPr>
               <a:t> </a:t>
             </a:r>
@@ -3069,8 +2998,8 @@
                 <a:solidFill>
                   <a:srgbClr val="130F24"/>
                 </a:solidFill>
-                <a:latin typeface="Courier New"/>
-                <a:cs typeface="Courier New"/>
+                <a:latin typeface="Courier New" panose="02070309020205020404"/>
+                <a:cs typeface="Courier New" panose="02070309020205020404"/>
               </a:rPr>
               <a:t>{</a:t>
             </a:r>
@@ -3079,8 +3008,8 @@
                 <a:solidFill>
                   <a:srgbClr val="130F24"/>
                 </a:solidFill>
-                <a:latin typeface="Courier New"/>
-                <a:cs typeface="Courier New"/>
+                <a:latin typeface="Courier New" panose="02070309020205020404"/>
+                <a:cs typeface="Courier New" panose="02070309020205020404"/>
               </a:rPr>
               <a:t> </a:t>
             </a:r>
@@ -3089,8 +3018,8 @@
                 <a:solidFill>
                   <a:srgbClr val="130F24"/>
                 </a:solidFill>
-                <a:latin typeface="Courier New"/>
-                <a:cs typeface="Courier New"/>
+                <a:latin typeface="Courier New" panose="02070309020205020404"/>
+                <a:cs typeface="Courier New" panose="02070309020205020404"/>
               </a:rPr>
               <a:t>expect</a:t>
             </a:r>
@@ -3099,8 +3028,8 @@
                 <a:solidFill>
                   <a:srgbClr val="130F24"/>
                 </a:solidFill>
-                <a:latin typeface="Courier New"/>
-                <a:cs typeface="Courier New"/>
+                <a:latin typeface="Courier New" panose="02070309020205020404"/>
+                <a:cs typeface="Courier New" panose="02070309020205020404"/>
               </a:rPr>
               <a:t> </a:t>
             </a:r>
@@ -3109,8 +3038,8 @@
                 <a:solidFill>
                   <a:srgbClr val="130F24"/>
                 </a:solidFill>
-                <a:latin typeface="Courier New"/>
-                <a:cs typeface="Courier New"/>
+                <a:latin typeface="Courier New" panose="02070309020205020404"/>
+                <a:cs typeface="Courier New" panose="02070309020205020404"/>
               </a:rPr>
               <a:t>}</a:t>
             </a:r>
@@ -3119,8 +3048,8 @@
                 <a:solidFill>
                   <a:srgbClr val="130F24"/>
                 </a:solidFill>
-                <a:latin typeface="Courier New"/>
-                <a:cs typeface="Courier New"/>
+                <a:latin typeface="Courier New" panose="02070309020205020404"/>
+                <a:cs typeface="Courier New" panose="02070309020205020404"/>
               </a:rPr>
               <a:t> </a:t>
             </a:r>
@@ -3129,8 +3058,8 @@
                 <a:solidFill>
                   <a:srgbClr val="130F24"/>
                 </a:solidFill>
-                <a:latin typeface="Courier New"/>
-                <a:cs typeface="Courier New"/>
+                <a:latin typeface="Courier New" panose="02070309020205020404"/>
+                <a:cs typeface="Courier New" panose="02070309020205020404"/>
               </a:rPr>
               <a:t>from</a:t>
             </a:r>
@@ -3139,8 +3068,8 @@
                 <a:solidFill>
                   <a:srgbClr val="130F24"/>
                 </a:solidFill>
-                <a:latin typeface="Courier New"/>
-                <a:cs typeface="Courier New"/>
+                <a:latin typeface="Courier New" panose="02070309020205020404"/>
+                <a:cs typeface="Courier New" panose="02070309020205020404"/>
               </a:rPr>
               <a:t> </a:t>
             </a:r>
@@ -3149,8 +3078,8 @@
                 <a:solidFill>
                   <a:srgbClr val="FF1675"/>
                 </a:solidFill>
-                <a:latin typeface="Courier New"/>
-                <a:cs typeface="Courier New"/>
+                <a:latin typeface="Courier New" panose="02070309020205020404"/>
+                <a:cs typeface="Courier New" panose="02070309020205020404"/>
               </a:rPr>
               <a:t>'@playwright/test’</a:t>
             </a:r>
@@ -3159,14 +3088,14 @@
                 <a:solidFill>
                   <a:srgbClr val="130F24"/>
                 </a:solidFill>
-                <a:latin typeface="Courier New"/>
-                <a:cs typeface="Courier New"/>
+                <a:latin typeface="Courier New" panose="02070309020205020404"/>
+                <a:cs typeface="Courier New" panose="02070309020205020404"/>
               </a:rPr>
               <a:t>;</a:t>
             </a:r>
             <a:endParaRPr sz="3600">
-              <a:latin typeface="Courier New"/>
-              <a:cs typeface="Courier New"/>
+              <a:latin typeface="Courier New" panose="02070309020205020404"/>
+              <a:cs typeface="Courier New" panose="02070309020205020404"/>
             </a:endParaRPr>
           </a:p>
         </p:txBody>
@@ -3205,8 +3134,8 @@
                 <a:solidFill>
                   <a:srgbClr val="FF1675"/>
                 </a:solidFill>
-                <a:latin typeface="Courier New"/>
-                <a:cs typeface="Courier New"/>
+                <a:latin typeface="Courier New" panose="02070309020205020404"/>
+                <a:cs typeface="Courier New" panose="02070309020205020404"/>
               </a:rPr>
               <a:t>await </a:t>
             </a:r>
@@ -3215,8 +3144,8 @@
                 <a:solidFill>
                   <a:srgbClr val="130F24"/>
                 </a:solidFill>
-                <a:latin typeface="Courier New"/>
-                <a:cs typeface="Courier New"/>
+                <a:latin typeface="Courier New" panose="02070309020205020404"/>
+                <a:cs typeface="Courier New" panose="02070309020205020404"/>
               </a:rPr>
               <a:t>expect(locator).</a:t>
             </a:r>
@@ -3225,8 +3154,8 @@
                 <a:solidFill>
                   <a:srgbClr val="00A3FE"/>
                 </a:solidFill>
-                <a:latin typeface="Courier New"/>
-                <a:cs typeface="Courier New"/>
+                <a:latin typeface="Courier New" panose="02070309020205020404"/>
+                <a:cs typeface="Courier New" panose="02070309020205020404"/>
               </a:rPr>
               <a:t>toBeEnabled</a:t>
             </a:r>
@@ -3235,8 +3164,8 @@
                 <a:solidFill>
                   <a:srgbClr val="130F24"/>
                 </a:solidFill>
-                <a:latin typeface="Courier New"/>
-                <a:cs typeface="Courier New"/>
+                <a:latin typeface="Courier New" panose="02070309020205020404"/>
+                <a:cs typeface="Courier New" panose="02070309020205020404"/>
               </a:rPr>
               <a:t>() </a:t>
             </a:r>
@@ -3245,8 +3174,8 @@
                 <a:solidFill>
                   <a:srgbClr val="130F24"/>
                 </a:solidFill>
-                <a:latin typeface="Courier New"/>
-                <a:cs typeface="Courier New"/>
+                <a:latin typeface="Courier New" panose="02070309020205020404"/>
+                <a:cs typeface="Courier New" panose="02070309020205020404"/>
               </a:rPr>
               <a:t> </a:t>
             </a:r>
@@ -3255,8 +3184,8 @@
                 <a:solidFill>
                   <a:srgbClr val="FF1675"/>
                 </a:solidFill>
-                <a:latin typeface="Courier New"/>
-                <a:cs typeface="Courier New"/>
+                <a:latin typeface="Courier New" panose="02070309020205020404"/>
+                <a:cs typeface="Courier New" panose="02070309020205020404"/>
               </a:rPr>
               <a:t>await</a:t>
             </a:r>
@@ -3265,8 +3194,8 @@
                 <a:solidFill>
                   <a:srgbClr val="FF1675"/>
                 </a:solidFill>
-                <a:latin typeface="Courier New"/>
-                <a:cs typeface="Courier New"/>
+                <a:latin typeface="Courier New" panose="02070309020205020404"/>
+                <a:cs typeface="Courier New" panose="02070309020205020404"/>
               </a:rPr>
               <a:t> </a:t>
             </a:r>
@@ -3275,8 +3204,8 @@
                 <a:solidFill>
                   <a:srgbClr val="130F24"/>
                 </a:solidFill>
-                <a:latin typeface="Courier New"/>
-                <a:cs typeface="Courier New"/>
+                <a:latin typeface="Courier New" panose="02070309020205020404"/>
+                <a:cs typeface="Courier New" panose="02070309020205020404"/>
               </a:rPr>
               <a:t>expect(locator).</a:t>
             </a:r>
@@ -3285,8 +3214,8 @@
                 <a:solidFill>
                   <a:srgbClr val="00A3FE"/>
                 </a:solidFill>
-                <a:latin typeface="Courier New"/>
-                <a:cs typeface="Courier New"/>
+                <a:latin typeface="Courier New" panose="02070309020205020404"/>
+                <a:cs typeface="Courier New" panose="02070309020205020404"/>
               </a:rPr>
               <a:t>toBeEditable</a:t>
             </a:r>
@@ -3295,8 +3224,8 @@
                 <a:solidFill>
                   <a:srgbClr val="130F24"/>
                 </a:solidFill>
-                <a:latin typeface="Courier New"/>
-                <a:cs typeface="Courier New"/>
+                <a:latin typeface="Courier New" panose="02070309020205020404"/>
+                <a:cs typeface="Courier New" panose="02070309020205020404"/>
               </a:rPr>
               <a:t>() </a:t>
             </a:r>
@@ -3305,8 +3234,8 @@
                 <a:solidFill>
                   <a:srgbClr val="130F24"/>
                 </a:solidFill>
-                <a:latin typeface="Courier New"/>
-                <a:cs typeface="Courier New"/>
+                <a:latin typeface="Courier New" panose="02070309020205020404"/>
+                <a:cs typeface="Courier New" panose="02070309020205020404"/>
               </a:rPr>
               <a:t> </a:t>
             </a:r>
@@ -3315,8 +3244,8 @@
                 <a:solidFill>
                   <a:srgbClr val="FF1675"/>
                 </a:solidFill>
-                <a:latin typeface="Courier New"/>
-                <a:cs typeface="Courier New"/>
+                <a:latin typeface="Courier New" panose="02070309020205020404"/>
+                <a:cs typeface="Courier New" panose="02070309020205020404"/>
               </a:rPr>
               <a:t>await</a:t>
             </a:r>
@@ -3325,8 +3254,8 @@
                 <a:solidFill>
                   <a:srgbClr val="FF1675"/>
                 </a:solidFill>
-                <a:latin typeface="Courier New"/>
-                <a:cs typeface="Courier New"/>
+                <a:latin typeface="Courier New" panose="02070309020205020404"/>
+                <a:cs typeface="Courier New" panose="02070309020205020404"/>
               </a:rPr>
               <a:t> </a:t>
             </a:r>
@@ -3335,8 +3264,8 @@
                 <a:solidFill>
                   <a:srgbClr val="130F24"/>
                 </a:solidFill>
-                <a:latin typeface="Courier New"/>
-                <a:cs typeface="Courier New"/>
+                <a:latin typeface="Courier New" panose="02070309020205020404"/>
+                <a:cs typeface="Courier New" panose="02070309020205020404"/>
               </a:rPr>
               <a:t>expect(locator).</a:t>
             </a:r>
@@ -3345,8 +3274,8 @@
                 <a:solidFill>
                   <a:srgbClr val="00A3FE"/>
                 </a:solidFill>
-                <a:latin typeface="Courier New"/>
-                <a:cs typeface="Courier New"/>
+                <a:latin typeface="Courier New" panose="02070309020205020404"/>
+                <a:cs typeface="Courier New" panose="02070309020205020404"/>
               </a:rPr>
               <a:t>toBeVisible</a:t>
             </a:r>
@@ -3355,14 +3284,14 @@
                 <a:solidFill>
                   <a:srgbClr val="130F24"/>
                 </a:solidFill>
-                <a:latin typeface="Courier New"/>
-                <a:cs typeface="Courier New"/>
+                <a:latin typeface="Courier New" panose="02070309020205020404"/>
+                <a:cs typeface="Courier New" panose="02070309020205020404"/>
               </a:rPr>
               <a:t>()</a:t>
             </a:r>
             <a:endParaRPr sz="3600">
-              <a:latin typeface="Courier New"/>
-              <a:cs typeface="Courier New"/>
+              <a:latin typeface="Courier New" panose="02070309020205020404"/>
+              <a:cs typeface="Courier New" panose="02070309020205020404"/>
             </a:endParaRPr>
           </a:p>
         </p:txBody>
@@ -3374,7 +3303,7 @@
           <p:nvPr/>
         </p:nvPicPr>
         <p:blipFill>
-          <a:blip r:embed="rId2" cstate="print"/>
+          <a:blip r:embed="rId1" cstate="print"/>
           <a:stretch>
             <a:fillRect/>
           </a:stretch>
@@ -3391,13 +3320,7 @@
       </p:pic>
       <p:sp>
         <p:nvSpPr>
-          <p:cNvPr id="5" name="Slide Number Placeholder 4">
-            <a:extLst>
-              <a:ext uri="{FF2B5EF4-FFF2-40B4-BE49-F238E27FC236}">
-                <a16:creationId xmlns:a16="http://schemas.microsoft.com/office/drawing/2014/main" id="{4E1FD52D-79DB-A18C-096A-B2B45048438A}"/>
-              </a:ext>
-            </a:extLst>
-          </p:cNvPr>
+          <p:cNvPr id="5" name="Slide Number Placeholder 4"/>
           <p:cNvSpPr>
             <a:spLocks noGrp="1"/>
           </p:cNvSpPr>
@@ -3412,7 +3335,6 @@
           <a:p>
             <a:fld id="{B6F15528-21DE-4FAA-801E-634DDDAF4B2B}" type="slidenum">
               <a:rPr lang="en-IN" smtClean="0"/>
-              <a:t>3</a:t>
             </a:fld>
             <a:endParaRPr lang="en-IN"/>
           </a:p>
@@ -3464,7 +3386,7 @@
             <p:nvPr/>
           </p:nvPicPr>
           <p:blipFill>
-            <a:blip r:embed="rId2" cstate="print"/>
+            <a:blip r:embed="rId1" cstate="print"/>
             <a:stretch>
               <a:fillRect/>
             </a:stretch>
@@ -3584,9 +3506,7 @@
           <p:txBody>
             <a:bodyPr wrap="square" lIns="0" tIns="0" rIns="0" bIns="0" rtlCol="0"/>
             <a:lstStyle/>
-            <a:p>
-              <a:endParaRPr/>
-            </a:p>
+            <a:p/>
           </p:txBody>
         </p:sp>
         <p:pic>
@@ -3596,7 +3516,7 @@
             <p:nvPr/>
           </p:nvPicPr>
           <p:blipFill>
-            <a:blip r:embed="rId3" cstate="print"/>
+            <a:blip r:embed="rId2" cstate="print"/>
             <a:stretch>
               <a:fillRect/>
             </a:stretch>
@@ -3740,9 +3660,7 @@
           <p:txBody>
             <a:bodyPr wrap="square" lIns="0" tIns="0" rIns="0" bIns="0" rtlCol="0"/>
             <a:lstStyle/>
-            <a:p>
-              <a:endParaRPr/>
-            </a:p>
+            <a:p/>
           </p:txBody>
         </p:sp>
       </p:grpSp>
@@ -3780,8 +3698,8 @@
                 <a:solidFill>
                   <a:srgbClr val="130F24"/>
                 </a:solidFill>
-                <a:latin typeface="Courier New"/>
-                <a:cs typeface="Courier New"/>
+                <a:latin typeface="Courier New" panose="02070309020205020404"/>
+                <a:cs typeface="Courier New" panose="02070309020205020404"/>
               </a:rPr>
               <a:t>isVisible(</a:t>
             </a:r>
@@ -3790,8 +3708,8 @@
                 <a:solidFill>
                   <a:srgbClr val="FF1675"/>
                 </a:solidFill>
-                <a:latin typeface="Courier New"/>
-                <a:cs typeface="Courier New"/>
+                <a:latin typeface="Courier New" panose="02070309020205020404"/>
+                <a:cs typeface="Courier New" panose="02070309020205020404"/>
               </a:rPr>
               <a:t>element</a:t>
             </a:r>
@@ -3800,14 +3718,14 @@
                 <a:solidFill>
                   <a:srgbClr val="130F24"/>
                 </a:solidFill>
-                <a:latin typeface="Courier New"/>
-                <a:cs typeface="Courier New"/>
+                <a:latin typeface="Courier New" panose="02070309020205020404"/>
+                <a:cs typeface="Courier New" panose="02070309020205020404"/>
               </a:rPr>
               <a:t>)</a:t>
             </a:r>
             <a:endParaRPr sz="3200">
-              <a:latin typeface="Courier New"/>
-              <a:cs typeface="Courier New"/>
+              <a:latin typeface="Courier New" panose="02070309020205020404"/>
+              <a:cs typeface="Courier New" panose="02070309020205020404"/>
             </a:endParaRPr>
           </a:p>
         </p:txBody>
@@ -3846,8 +3764,8 @@
                 <a:solidFill>
                   <a:srgbClr val="FF1675"/>
                 </a:solidFill>
-                <a:latin typeface="Courier New"/>
-                <a:cs typeface="Courier New"/>
+                <a:latin typeface="Courier New" panose="02070309020205020404"/>
+                <a:cs typeface="Courier New" panose="02070309020205020404"/>
               </a:rPr>
               <a:t>await</a:t>
             </a:r>
@@ -3856,8 +3774,8 @@
                 <a:solidFill>
                   <a:srgbClr val="FF1675"/>
                 </a:solidFill>
-                <a:latin typeface="Courier New"/>
-                <a:cs typeface="Courier New"/>
+                <a:latin typeface="Courier New" panose="02070309020205020404"/>
+                <a:cs typeface="Courier New" panose="02070309020205020404"/>
               </a:rPr>
               <a:t> </a:t>
             </a:r>
@@ -3866,8 +3784,8 @@
                 <a:solidFill>
                   <a:srgbClr val="130F24"/>
                 </a:solidFill>
-                <a:latin typeface="Courier New"/>
-                <a:cs typeface="Courier New"/>
+                <a:latin typeface="Courier New" panose="02070309020205020404"/>
+                <a:cs typeface="Courier New" panose="02070309020205020404"/>
               </a:rPr>
               <a:t>expect(locator).</a:t>
             </a:r>
@@ -3876,8 +3794,8 @@
                 <a:solidFill>
                   <a:srgbClr val="00A3FE"/>
                 </a:solidFill>
-                <a:latin typeface="Courier New"/>
-                <a:cs typeface="Courier New"/>
+                <a:latin typeface="Courier New" panose="02070309020205020404"/>
+                <a:cs typeface="Courier New" panose="02070309020205020404"/>
               </a:rPr>
               <a:t>toBeVisible</a:t>
             </a:r>
@@ -3886,14 +3804,14 @@
                 <a:solidFill>
                   <a:srgbClr val="130F24"/>
                 </a:solidFill>
-                <a:latin typeface="Courier New"/>
-                <a:cs typeface="Courier New"/>
+                <a:latin typeface="Courier New" panose="02070309020205020404"/>
+                <a:cs typeface="Courier New" panose="02070309020205020404"/>
               </a:rPr>
               <a:t>()</a:t>
             </a:r>
             <a:endParaRPr sz="3200">
-              <a:latin typeface="Courier New"/>
-              <a:cs typeface="Courier New"/>
+              <a:latin typeface="Courier New" panose="02070309020205020404"/>
+              <a:cs typeface="Courier New" panose="02070309020205020404"/>
             </a:endParaRPr>
           </a:p>
         </p:txBody>
@@ -4092,9 +4010,7 @@
           <p:txBody>
             <a:bodyPr wrap="square" lIns="0" tIns="0" rIns="0" bIns="0" rtlCol="0"/>
             <a:lstStyle/>
-            <a:p>
-              <a:endParaRPr/>
-            </a:p>
+            <a:p/>
           </p:txBody>
         </p:sp>
         <p:pic>
@@ -4104,7 +4020,7 @@
             <p:nvPr/>
           </p:nvPicPr>
           <p:blipFill>
-            <a:blip r:embed="rId4" cstate="print"/>
+            <a:blip r:embed="rId3" cstate="print"/>
             <a:stretch>
               <a:fillRect/>
             </a:stretch>
@@ -4122,13 +4038,7 @@
       </p:grpSp>
       <p:sp>
         <p:nvSpPr>
-          <p:cNvPr id="13" name="Slide Number Placeholder 12">
-            <a:extLst>
-              <a:ext uri="{FF2B5EF4-FFF2-40B4-BE49-F238E27FC236}">
-                <a16:creationId xmlns:a16="http://schemas.microsoft.com/office/drawing/2014/main" id="{8BD82140-3A6B-D923-6DF2-06E4E33BBA31}"/>
-              </a:ext>
-            </a:extLst>
-          </p:cNvPr>
+          <p:cNvPr id="13" name="Slide Number Placeholder 12"/>
           <p:cNvSpPr>
             <a:spLocks noGrp="1"/>
           </p:cNvSpPr>
@@ -4143,7 +4053,6 @@
           <a:p>
             <a:fld id="{B6F15528-21DE-4FAA-801E-634DDDAF4B2B}" type="slidenum">
               <a:rPr lang="en-IN" smtClean="0"/>
-              <a:t>4</a:t>
             </a:fld>
             <a:endParaRPr lang="en-IN"/>
           </a:p>
@@ -4200,7 +4109,7 @@
                 <a:spcPct val="100000"/>
               </a:lnSpc>
               <a:spcBef>
-                <a:spcPts val="484"/>
+                <a:spcPts val="485"/>
               </a:spcBef>
             </a:pPr>
             <a:r>
@@ -4208,8 +4117,8 @@
                 <a:solidFill>
                   <a:srgbClr val="7F7F7F"/>
                 </a:solidFill>
-                <a:latin typeface="Courier New"/>
-                <a:cs typeface="Courier New"/>
+                <a:latin typeface="Courier New" panose="02070309020205020404"/>
+                <a:cs typeface="Courier New" panose="02070309020205020404"/>
               </a:rPr>
               <a:t>//</a:t>
             </a:r>
@@ -4218,8 +4127,8 @@
                 <a:solidFill>
                   <a:srgbClr val="7F7F7F"/>
                 </a:solidFill>
-                <a:latin typeface="Courier New"/>
-                <a:cs typeface="Courier New"/>
+                <a:latin typeface="Courier New" panose="02070309020205020404"/>
+                <a:cs typeface="Courier New" panose="02070309020205020404"/>
               </a:rPr>
               <a:t> </a:t>
             </a:r>
@@ -4228,8 +4137,8 @@
                 <a:solidFill>
                   <a:srgbClr val="7F7F7F"/>
                 </a:solidFill>
-                <a:latin typeface="Courier New"/>
-                <a:cs typeface="Courier New"/>
+                <a:latin typeface="Courier New" panose="02070309020205020404"/>
+                <a:cs typeface="Courier New" panose="02070309020205020404"/>
               </a:rPr>
               <a:t>This</a:t>
             </a:r>
@@ -4238,8 +4147,8 @@
                 <a:solidFill>
                   <a:srgbClr val="7F7F7F"/>
                 </a:solidFill>
-                <a:latin typeface="Courier New"/>
-                <a:cs typeface="Courier New"/>
+                <a:latin typeface="Courier New" panose="02070309020205020404"/>
+                <a:cs typeface="Courier New" panose="02070309020205020404"/>
               </a:rPr>
               <a:t> </a:t>
             </a:r>
@@ -4248,8 +4157,8 @@
                 <a:solidFill>
                   <a:srgbClr val="7F7F7F"/>
                 </a:solidFill>
-                <a:latin typeface="Courier New"/>
-                <a:cs typeface="Courier New"/>
+                <a:latin typeface="Courier New" panose="02070309020205020404"/>
+                <a:cs typeface="Courier New" panose="02070309020205020404"/>
               </a:rPr>
               <a:t>takes</a:t>
             </a:r>
@@ -4258,8 +4167,8 @@
                 <a:solidFill>
                   <a:srgbClr val="7F7F7F"/>
                 </a:solidFill>
-                <a:latin typeface="Courier New"/>
-                <a:cs typeface="Courier New"/>
+                <a:latin typeface="Courier New" panose="02070309020205020404"/>
+                <a:cs typeface="Courier New" panose="02070309020205020404"/>
               </a:rPr>
               <a:t> </a:t>
             </a:r>
@@ -4268,14 +4177,14 @@
                 <a:solidFill>
                   <a:srgbClr val="7F7F7F"/>
                 </a:solidFill>
-                <a:latin typeface="Courier New"/>
-                <a:cs typeface="Courier New"/>
+                <a:latin typeface="Courier New" panose="02070309020205020404"/>
+                <a:cs typeface="Courier New" panose="02070309020205020404"/>
               </a:rPr>
               <a:t>time...</a:t>
             </a:r>
             <a:endParaRPr sz="3600">
-              <a:latin typeface="Courier New"/>
-              <a:cs typeface="Courier New"/>
+              <a:latin typeface="Courier New" panose="02070309020205020404"/>
+              <a:cs typeface="Courier New" panose="02070309020205020404"/>
             </a:endParaRPr>
           </a:p>
           <a:p>
@@ -4292,8 +4201,8 @@
                 <a:solidFill>
                   <a:srgbClr val="FF1675"/>
                 </a:solidFill>
-                <a:latin typeface="Courier New"/>
-                <a:cs typeface="Courier New"/>
+                <a:latin typeface="Courier New" panose="02070309020205020404"/>
+                <a:cs typeface="Courier New" panose="02070309020205020404"/>
               </a:rPr>
               <a:t>async</a:t>
             </a:r>
@@ -4302,8 +4211,8 @@
                 <a:solidFill>
                   <a:srgbClr val="FF1675"/>
                 </a:solidFill>
-                <a:latin typeface="Courier New"/>
-                <a:cs typeface="Courier New"/>
+                <a:latin typeface="Courier New" panose="02070309020205020404"/>
+                <a:cs typeface="Courier New" panose="02070309020205020404"/>
               </a:rPr>
               <a:t> </a:t>
             </a:r>
@@ -4312,8 +4221,8 @@
                 <a:solidFill>
                   <a:srgbClr val="130F25"/>
                 </a:solidFill>
-                <a:latin typeface="Courier New"/>
-                <a:cs typeface="Courier New"/>
+                <a:latin typeface="Courier New" panose="02070309020205020404"/>
+                <a:cs typeface="Courier New" panose="02070309020205020404"/>
               </a:rPr>
               <a:t>function</a:t>
             </a:r>
@@ -4322,8 +4231,8 @@
                 <a:solidFill>
                   <a:srgbClr val="130F25"/>
                 </a:solidFill>
-                <a:latin typeface="Courier New"/>
-                <a:cs typeface="Courier New"/>
+                <a:latin typeface="Courier New" panose="02070309020205020404"/>
+                <a:cs typeface="Courier New" panose="02070309020205020404"/>
               </a:rPr>
               <a:t> </a:t>
             </a:r>
@@ -4332,8 +4241,8 @@
                 <a:solidFill>
                   <a:srgbClr val="130F25"/>
                 </a:solidFill>
-                <a:latin typeface="Courier New"/>
-                <a:cs typeface="Courier New"/>
+                <a:latin typeface="Courier New" panose="02070309020205020404"/>
+                <a:cs typeface="Courier New" panose="02070309020205020404"/>
               </a:rPr>
               <a:t>fetchData()</a:t>
             </a:r>
@@ -4342,8 +4251,8 @@
                 <a:solidFill>
                   <a:srgbClr val="130F25"/>
                 </a:solidFill>
-                <a:latin typeface="Courier New"/>
-                <a:cs typeface="Courier New"/>
+                <a:latin typeface="Courier New" panose="02070309020205020404"/>
+                <a:cs typeface="Courier New" panose="02070309020205020404"/>
               </a:rPr>
               <a:t> </a:t>
             </a:r>
@@ -4352,14 +4261,14 @@
                 <a:solidFill>
                   <a:srgbClr val="130F25"/>
                 </a:solidFill>
-                <a:latin typeface="Courier New"/>
-                <a:cs typeface="Courier New"/>
+                <a:latin typeface="Courier New" panose="02070309020205020404"/>
+                <a:cs typeface="Courier New" panose="02070309020205020404"/>
               </a:rPr>
               <a:t>{...}</a:t>
             </a:r>
             <a:endParaRPr sz="3600">
-              <a:latin typeface="Courier New"/>
-              <a:cs typeface="Courier New"/>
+              <a:latin typeface="Courier New" panose="02070309020205020404"/>
+              <a:cs typeface="Courier New" panose="02070309020205020404"/>
             </a:endParaRPr>
           </a:p>
           <a:p>
@@ -4369,8 +4278,8 @@
               </a:lnSpc>
             </a:pPr>
             <a:endParaRPr sz="4700">
-              <a:latin typeface="Courier New"/>
-              <a:cs typeface="Courier New"/>
+              <a:latin typeface="Courier New" panose="02070309020205020404"/>
+              <a:cs typeface="Courier New" panose="02070309020205020404"/>
             </a:endParaRPr>
           </a:p>
           <a:p>
@@ -4383,8 +4292,8 @@
               </a:spcBef>
             </a:pPr>
             <a:endParaRPr sz="4100">
-              <a:latin typeface="Courier New"/>
-              <a:cs typeface="Courier New"/>
+              <a:latin typeface="Courier New" panose="02070309020205020404"/>
+              <a:cs typeface="Courier New" panose="02070309020205020404"/>
             </a:endParaRPr>
           </a:p>
           <a:p>
@@ -4398,8 +4307,8 @@
                 <a:solidFill>
                   <a:srgbClr val="7F7F7F"/>
                 </a:solidFill>
-                <a:latin typeface="Courier New"/>
-                <a:cs typeface="Courier New"/>
+                <a:latin typeface="Courier New" panose="02070309020205020404"/>
+                <a:cs typeface="Courier New" panose="02070309020205020404"/>
               </a:rPr>
               <a:t>//</a:t>
             </a:r>
@@ -4408,8 +4317,8 @@
                 <a:solidFill>
                   <a:srgbClr val="7F7F7F"/>
                 </a:solidFill>
-                <a:latin typeface="Courier New"/>
-                <a:cs typeface="Courier New"/>
+                <a:latin typeface="Courier New" panose="02070309020205020404"/>
+                <a:cs typeface="Courier New" panose="02070309020205020404"/>
               </a:rPr>
               <a:t> </a:t>
             </a:r>
@@ -4418,8 +4327,8 @@
                 <a:solidFill>
                   <a:srgbClr val="7F7F7F"/>
                 </a:solidFill>
-                <a:latin typeface="Courier New"/>
-                <a:cs typeface="Courier New"/>
+                <a:latin typeface="Courier New" panose="02070309020205020404"/>
+                <a:cs typeface="Courier New" panose="02070309020205020404"/>
               </a:rPr>
               <a:t>wait</a:t>
             </a:r>
@@ -4428,8 +4337,8 @@
                 <a:solidFill>
                   <a:srgbClr val="7F7F7F"/>
                 </a:solidFill>
-                <a:latin typeface="Courier New"/>
-                <a:cs typeface="Courier New"/>
+                <a:latin typeface="Courier New" panose="02070309020205020404"/>
+                <a:cs typeface="Courier New" panose="02070309020205020404"/>
               </a:rPr>
               <a:t> </a:t>
             </a:r>
@@ -4438,8 +4347,8 @@
                 <a:solidFill>
                   <a:srgbClr val="7F7F7F"/>
                 </a:solidFill>
-                <a:latin typeface="Courier New"/>
-                <a:cs typeface="Courier New"/>
+                <a:latin typeface="Courier New" panose="02070309020205020404"/>
+                <a:cs typeface="Courier New" panose="02070309020205020404"/>
               </a:rPr>
               <a:t>before</a:t>
             </a:r>
@@ -4448,8 +4357,8 @@
                 <a:solidFill>
                   <a:srgbClr val="7F7F7F"/>
                 </a:solidFill>
-                <a:latin typeface="Courier New"/>
-                <a:cs typeface="Courier New"/>
+                <a:latin typeface="Courier New" panose="02070309020205020404"/>
+                <a:cs typeface="Courier New" panose="02070309020205020404"/>
               </a:rPr>
               <a:t> </a:t>
             </a:r>
@@ -4458,8 +4367,8 @@
                 <a:solidFill>
                   <a:srgbClr val="7F7F7F"/>
                 </a:solidFill>
-                <a:latin typeface="Courier New"/>
-                <a:cs typeface="Courier New"/>
+                <a:latin typeface="Courier New" panose="02070309020205020404"/>
+                <a:cs typeface="Courier New" panose="02070309020205020404"/>
               </a:rPr>
               <a:t>moving</a:t>
             </a:r>
@@ -4468,8 +4377,8 @@
                 <a:solidFill>
                   <a:srgbClr val="7F7F7F"/>
                 </a:solidFill>
-                <a:latin typeface="Courier New"/>
-                <a:cs typeface="Courier New"/>
+                <a:latin typeface="Courier New" panose="02070309020205020404"/>
+                <a:cs typeface="Courier New" panose="02070309020205020404"/>
               </a:rPr>
               <a:t> </a:t>
             </a:r>
@@ -4478,14 +4387,14 @@
                 <a:solidFill>
                   <a:srgbClr val="7F7F7F"/>
                 </a:solidFill>
-                <a:latin typeface="Courier New"/>
-                <a:cs typeface="Courier New"/>
+                <a:latin typeface="Courier New" panose="02070309020205020404"/>
+                <a:cs typeface="Courier New" panose="02070309020205020404"/>
               </a:rPr>
               <a:t>on</a:t>
             </a:r>
             <a:endParaRPr sz="3600">
-              <a:latin typeface="Courier New"/>
-              <a:cs typeface="Courier New"/>
+              <a:latin typeface="Courier New" panose="02070309020205020404"/>
+              <a:cs typeface="Courier New" panose="02070309020205020404"/>
             </a:endParaRPr>
           </a:p>
           <a:p>
@@ -4502,8 +4411,8 @@
                 <a:solidFill>
                   <a:srgbClr val="130F24"/>
                 </a:solidFill>
-                <a:latin typeface="Courier New"/>
-                <a:cs typeface="Courier New"/>
+                <a:latin typeface="Courier New" panose="02070309020205020404"/>
+                <a:cs typeface="Courier New" panose="02070309020205020404"/>
               </a:rPr>
               <a:t>const</a:t>
             </a:r>
@@ -4512,8 +4421,8 @@
                 <a:solidFill>
                   <a:srgbClr val="130F24"/>
                 </a:solidFill>
-                <a:latin typeface="Courier New"/>
-                <a:cs typeface="Courier New"/>
+                <a:latin typeface="Courier New" panose="02070309020205020404"/>
+                <a:cs typeface="Courier New" panose="02070309020205020404"/>
               </a:rPr>
               <a:t> </a:t>
             </a:r>
@@ -4522,8 +4431,8 @@
                 <a:solidFill>
                   <a:srgbClr val="130F24"/>
                 </a:solidFill>
-                <a:latin typeface="Courier New"/>
-                <a:cs typeface="Courier New"/>
+                <a:latin typeface="Courier New" panose="02070309020205020404"/>
+                <a:cs typeface="Courier New" panose="02070309020205020404"/>
               </a:rPr>
               <a:t>data</a:t>
             </a:r>
@@ -4532,8 +4441,8 @@
                 <a:solidFill>
                   <a:srgbClr val="130F24"/>
                 </a:solidFill>
-                <a:latin typeface="Courier New"/>
-                <a:cs typeface="Courier New"/>
+                <a:latin typeface="Courier New" panose="02070309020205020404"/>
+                <a:cs typeface="Courier New" panose="02070309020205020404"/>
               </a:rPr>
               <a:t> </a:t>
             </a:r>
@@ -4542,8 +4451,8 @@
                 <a:solidFill>
                   <a:srgbClr val="130F24"/>
                 </a:solidFill>
-                <a:latin typeface="Courier New"/>
-                <a:cs typeface="Courier New"/>
+                <a:latin typeface="Courier New" panose="02070309020205020404"/>
+                <a:cs typeface="Courier New" panose="02070309020205020404"/>
               </a:rPr>
               <a:t>=</a:t>
             </a:r>
@@ -4552,8 +4461,8 @@
                 <a:solidFill>
                   <a:srgbClr val="130F24"/>
                 </a:solidFill>
-                <a:latin typeface="Courier New"/>
-                <a:cs typeface="Courier New"/>
+                <a:latin typeface="Courier New" panose="02070309020205020404"/>
+                <a:cs typeface="Courier New" panose="02070309020205020404"/>
               </a:rPr>
               <a:t> </a:t>
             </a:r>
@@ -4562,8 +4471,8 @@
                 <a:solidFill>
                   <a:srgbClr val="FF1675"/>
                 </a:solidFill>
-                <a:latin typeface="Courier New"/>
-                <a:cs typeface="Courier New"/>
+                <a:latin typeface="Courier New" panose="02070309020205020404"/>
+                <a:cs typeface="Courier New" panose="02070309020205020404"/>
               </a:rPr>
               <a:t>await</a:t>
             </a:r>
@@ -4572,8 +4481,8 @@
                 <a:solidFill>
                   <a:srgbClr val="FF1675"/>
                 </a:solidFill>
-                <a:latin typeface="Courier New"/>
-                <a:cs typeface="Courier New"/>
+                <a:latin typeface="Courier New" panose="02070309020205020404"/>
+                <a:cs typeface="Courier New" panose="02070309020205020404"/>
               </a:rPr>
               <a:t> </a:t>
             </a:r>
@@ -4582,27 +4491,21 @@
                 <a:solidFill>
                   <a:srgbClr val="130F24"/>
                 </a:solidFill>
-                <a:latin typeface="Courier New"/>
-                <a:cs typeface="Courier New"/>
+                <a:latin typeface="Courier New" panose="02070309020205020404"/>
+                <a:cs typeface="Courier New" panose="02070309020205020404"/>
               </a:rPr>
               <a:t>fetchThing();</a:t>
             </a:r>
             <a:endParaRPr sz="3600">
-              <a:latin typeface="Courier New"/>
-              <a:cs typeface="Courier New"/>
+              <a:latin typeface="Courier New" panose="02070309020205020404"/>
+              <a:cs typeface="Courier New" panose="02070309020205020404"/>
             </a:endParaRPr>
           </a:p>
         </p:txBody>
       </p:sp>
       <p:sp>
         <p:nvSpPr>
-          <p:cNvPr id="3" name="Slide Number Placeholder 2">
-            <a:extLst>
-              <a:ext uri="{FF2B5EF4-FFF2-40B4-BE49-F238E27FC236}">
-                <a16:creationId xmlns:a16="http://schemas.microsoft.com/office/drawing/2014/main" id="{288179F2-CD75-9BD8-49FA-9A09B247BF02}"/>
-              </a:ext>
-            </a:extLst>
-          </p:cNvPr>
+          <p:cNvPr id="3" name="Slide Number Placeholder 2"/>
           <p:cNvSpPr>
             <a:spLocks noGrp="1"/>
           </p:cNvSpPr>
@@ -4617,7 +4520,6 @@
           <a:p>
             <a:fld id="{B6F15528-21DE-4FAA-801E-634DDDAF4B2B}" type="slidenum">
               <a:rPr lang="en-IN" smtClean="0"/>
-              <a:t>5</a:t>
             </a:fld>
             <a:endParaRPr lang="en-IN"/>
           </a:p>
@@ -4669,7 +4571,7 @@
             <p:nvPr/>
           </p:nvPicPr>
           <p:blipFill>
-            <a:blip r:embed="rId2" cstate="print"/>
+            <a:blip r:embed="rId1" cstate="print"/>
             <a:stretch>
               <a:fillRect/>
             </a:stretch>
@@ -4721,9 +4623,7 @@
           <p:txBody>
             <a:bodyPr wrap="square" lIns="0" tIns="0" rIns="0" bIns="0" rtlCol="0"/>
             <a:lstStyle/>
-            <a:p>
-              <a:endParaRPr/>
-            </a:p>
+            <a:p/>
           </p:txBody>
         </p:sp>
       </p:grpSp>
@@ -4776,6 +4676,7 @@
               <a:rPr spc="-30" dirty="0"/>
               <a:t>page.goto('url');</a:t>
             </a:r>
+            <a:endParaRPr spc="-30" dirty="0"/>
           </a:p>
           <a:p>
             <a:pPr marL="5134610" marR="5080">
@@ -4822,6 +4723,7 @@
               <a:rPr spc="-15" dirty="0"/>
               <a:t>expect(result).toContainText('...');</a:t>
             </a:r>
+            <a:endParaRPr spc="-15" dirty="0"/>
           </a:p>
         </p:txBody>
       </p:sp>
@@ -4897,7 +4799,7 @@
           <p:nvPr/>
         </p:nvPicPr>
         <p:blipFill>
-          <a:blip r:embed="rId3" cstate="print"/>
+          <a:blip r:embed="rId2" cstate="print"/>
           <a:stretch>
             <a:fillRect/>
           </a:stretch>
@@ -4914,13 +4816,7 @@
       </p:pic>
       <p:sp>
         <p:nvSpPr>
-          <p:cNvPr id="8" name="Slide Number Placeholder 7">
-            <a:extLst>
-              <a:ext uri="{FF2B5EF4-FFF2-40B4-BE49-F238E27FC236}">
-                <a16:creationId xmlns:a16="http://schemas.microsoft.com/office/drawing/2014/main" id="{72053292-336F-B12B-3CD3-F877006F4E2E}"/>
-              </a:ext>
-            </a:extLst>
-          </p:cNvPr>
+          <p:cNvPr id="8" name="Slide Number Placeholder 7"/>
           <p:cNvSpPr>
             <a:spLocks noGrp="1"/>
           </p:cNvSpPr>
@@ -4935,7 +4831,6 @@
           <a:p>
             <a:fld id="{B6F15528-21DE-4FAA-801E-634DDDAF4B2B}" type="slidenum">
               <a:rPr lang="en-IN" smtClean="0"/>
-              <a:t>6</a:t>
             </a:fld>
             <a:endParaRPr lang="en-IN"/>
           </a:p>
@@ -5000,8 +4895,8 @@
                 <a:solidFill>
                   <a:srgbClr val="130F24"/>
                 </a:solidFill>
-                <a:latin typeface="Courier New"/>
-                <a:cs typeface="Courier New"/>
+                <a:latin typeface="Courier New" panose="02070309020205020404"/>
+                <a:cs typeface="Courier New" panose="02070309020205020404"/>
               </a:rPr>
               <a:t>test(</a:t>
             </a:r>
@@ -5010,8 +4905,8 @@
                 <a:solidFill>
                   <a:srgbClr val="00A3FE"/>
                 </a:solidFill>
-                <a:latin typeface="Courier New"/>
-                <a:cs typeface="Courier New"/>
+                <a:latin typeface="Courier New" panose="02070309020205020404"/>
+                <a:cs typeface="Courier New" panose="02070309020205020404"/>
               </a:rPr>
               <a:t>'Unique</a:t>
             </a:r>
@@ -5020,8 +4915,8 @@
                 <a:solidFill>
                   <a:srgbClr val="00A3FE"/>
                 </a:solidFill>
-                <a:latin typeface="Courier New"/>
-                <a:cs typeface="Courier New"/>
+                <a:latin typeface="Courier New" panose="02070309020205020404"/>
+                <a:cs typeface="Courier New" panose="02070309020205020404"/>
               </a:rPr>
               <a:t> </a:t>
             </a:r>
@@ -5030,8 +4925,8 @@
                 <a:solidFill>
                   <a:srgbClr val="00A3FE"/>
                 </a:solidFill>
-                <a:latin typeface="Courier New"/>
-                <a:cs typeface="Courier New"/>
+                <a:latin typeface="Courier New" panose="02070309020205020404"/>
+                <a:cs typeface="Courier New" panose="02070309020205020404"/>
               </a:rPr>
               <a:t>test</a:t>
             </a:r>
@@ -5040,8 +4935,8 @@
                 <a:solidFill>
                   <a:srgbClr val="00A3FE"/>
                 </a:solidFill>
-                <a:latin typeface="Courier New"/>
-                <a:cs typeface="Courier New"/>
+                <a:latin typeface="Courier New" panose="02070309020205020404"/>
+                <a:cs typeface="Courier New" panose="02070309020205020404"/>
               </a:rPr>
               <a:t> </a:t>
             </a:r>
@@ -5050,8 +4945,8 @@
                 <a:solidFill>
                   <a:srgbClr val="00A3FE"/>
                 </a:solidFill>
-                <a:latin typeface="Courier New"/>
-                <a:cs typeface="Courier New"/>
+                <a:latin typeface="Courier New" panose="02070309020205020404"/>
+                <a:cs typeface="Courier New" panose="02070309020205020404"/>
               </a:rPr>
               <a:t>name</a:t>
             </a:r>
@@ -5060,8 +4955,8 @@
                 <a:solidFill>
                   <a:srgbClr val="00A3FE"/>
                 </a:solidFill>
-                <a:latin typeface="Courier New"/>
-                <a:cs typeface="Courier New"/>
+                <a:latin typeface="Courier New" panose="02070309020205020404"/>
+                <a:cs typeface="Courier New" panose="02070309020205020404"/>
               </a:rPr>
               <a:t> </a:t>
             </a:r>
@@ -5070,8 +4965,8 @@
                 <a:solidFill>
                   <a:srgbClr val="00A3FE"/>
                 </a:solidFill>
-                <a:latin typeface="Courier New"/>
-                <a:cs typeface="Courier New"/>
+                <a:latin typeface="Courier New" panose="02070309020205020404"/>
+                <a:cs typeface="Courier New" panose="02070309020205020404"/>
               </a:rPr>
               <a:t>in</a:t>
             </a:r>
@@ -5080,8 +4975,8 @@
                 <a:solidFill>
                   <a:srgbClr val="00A3FE"/>
                 </a:solidFill>
-                <a:latin typeface="Courier New"/>
-                <a:cs typeface="Courier New"/>
+                <a:latin typeface="Courier New" panose="02070309020205020404"/>
+                <a:cs typeface="Courier New" panose="02070309020205020404"/>
               </a:rPr>
               <a:t> </a:t>
             </a:r>
@@ -5090,8 +4985,8 @@
                 <a:solidFill>
                   <a:srgbClr val="00A3FE"/>
                 </a:solidFill>
-                <a:latin typeface="Courier New"/>
-                <a:cs typeface="Courier New"/>
+                <a:latin typeface="Courier New" panose="02070309020205020404"/>
+                <a:cs typeface="Courier New" panose="02070309020205020404"/>
               </a:rPr>
               <a:t>file'</a:t>
             </a:r>
@@ -5100,8 +4995,8 @@
                 <a:solidFill>
                   <a:srgbClr val="130F24"/>
                 </a:solidFill>
-                <a:latin typeface="Courier New"/>
-                <a:cs typeface="Courier New"/>
+                <a:latin typeface="Courier New" panose="02070309020205020404"/>
+                <a:cs typeface="Courier New" panose="02070309020205020404"/>
               </a:rPr>
               <a:t>,</a:t>
             </a:r>
@@ -5110,8 +5005,8 @@
                 <a:solidFill>
                   <a:srgbClr val="130F24"/>
                 </a:solidFill>
-                <a:latin typeface="Courier New"/>
-                <a:cs typeface="Courier New"/>
+                <a:latin typeface="Courier New" panose="02070309020205020404"/>
+                <a:cs typeface="Courier New" panose="02070309020205020404"/>
               </a:rPr>
               <a:t> </a:t>
             </a:r>
@@ -5120,8 +5015,8 @@
                 <a:solidFill>
                   <a:srgbClr val="130F24"/>
                 </a:solidFill>
-                <a:latin typeface="Courier New"/>
-                <a:cs typeface="Courier New"/>
+                <a:latin typeface="Courier New" panose="02070309020205020404"/>
+                <a:cs typeface="Courier New" panose="02070309020205020404"/>
               </a:rPr>
               <a:t>async</a:t>
             </a:r>
@@ -5130,8 +5025,8 @@
                 <a:solidFill>
                   <a:srgbClr val="130F24"/>
                 </a:solidFill>
-                <a:latin typeface="Courier New"/>
-                <a:cs typeface="Courier New"/>
+                <a:latin typeface="Courier New" panose="02070309020205020404"/>
+                <a:cs typeface="Courier New" panose="02070309020205020404"/>
               </a:rPr>
               <a:t> </a:t>
             </a:r>
@@ -5140,8 +5035,8 @@
                 <a:solidFill>
                   <a:srgbClr val="130F24"/>
                 </a:solidFill>
-                <a:latin typeface="Courier New"/>
-                <a:cs typeface="Courier New"/>
+                <a:latin typeface="Courier New" panose="02070309020205020404"/>
+                <a:cs typeface="Courier New" panose="02070309020205020404"/>
               </a:rPr>
               <a:t>()</a:t>
             </a:r>
@@ -5150,8 +5045,8 @@
                 <a:solidFill>
                   <a:srgbClr val="130F24"/>
                 </a:solidFill>
-                <a:latin typeface="Courier New"/>
-                <a:cs typeface="Courier New"/>
+                <a:latin typeface="Courier New" panose="02070309020205020404"/>
+                <a:cs typeface="Courier New" panose="02070309020205020404"/>
               </a:rPr>
               <a:t> </a:t>
             </a:r>
@@ -5160,8 +5055,8 @@
                 <a:solidFill>
                   <a:srgbClr val="130F24"/>
                 </a:solidFill>
-                <a:latin typeface="Courier New"/>
-                <a:cs typeface="Courier New"/>
+                <a:latin typeface="Courier New" panose="02070309020205020404"/>
+                <a:cs typeface="Courier New" panose="02070309020205020404"/>
               </a:rPr>
               <a:t>=&gt;</a:t>
             </a:r>
@@ -5170,8 +5065,8 @@
                 <a:solidFill>
                   <a:srgbClr val="130F24"/>
                 </a:solidFill>
-                <a:latin typeface="Courier New"/>
-                <a:cs typeface="Courier New"/>
+                <a:latin typeface="Courier New" panose="02070309020205020404"/>
+                <a:cs typeface="Courier New" panose="02070309020205020404"/>
               </a:rPr>
               <a:t> </a:t>
             </a:r>
@@ -5180,14 +5075,14 @@
                 <a:solidFill>
                   <a:srgbClr val="130F24"/>
                 </a:solidFill>
-                <a:latin typeface="Courier New"/>
-                <a:cs typeface="Courier New"/>
+                <a:latin typeface="Courier New" panose="02070309020205020404"/>
+                <a:cs typeface="Courier New" panose="02070309020205020404"/>
               </a:rPr>
               <a:t>{</a:t>
             </a:r>
             <a:endParaRPr sz="3600">
-              <a:latin typeface="Courier New"/>
-              <a:cs typeface="Courier New"/>
+              <a:latin typeface="Courier New" panose="02070309020205020404"/>
+              <a:cs typeface="Courier New" panose="02070309020205020404"/>
             </a:endParaRPr>
           </a:p>
         </p:txBody>
@@ -5226,27 +5121,21 @@
                 <a:solidFill>
                   <a:srgbClr val="130F24"/>
                 </a:solidFill>
-                <a:latin typeface="Courier New"/>
-                <a:cs typeface="Courier New"/>
+                <a:latin typeface="Courier New" panose="02070309020205020404"/>
+                <a:cs typeface="Courier New" panose="02070309020205020404"/>
               </a:rPr>
               <a:t>});</a:t>
             </a:r>
             <a:endParaRPr sz="3600">
-              <a:latin typeface="Courier New"/>
-              <a:cs typeface="Courier New"/>
+              <a:latin typeface="Courier New" panose="02070309020205020404"/>
+              <a:cs typeface="Courier New" panose="02070309020205020404"/>
             </a:endParaRPr>
           </a:p>
         </p:txBody>
       </p:sp>
       <p:sp>
         <p:nvSpPr>
-          <p:cNvPr id="4" name="Slide Number Placeholder 3">
-            <a:extLst>
-              <a:ext uri="{FF2B5EF4-FFF2-40B4-BE49-F238E27FC236}">
-                <a16:creationId xmlns:a16="http://schemas.microsoft.com/office/drawing/2014/main" id="{2E135403-1E7F-9B64-CE8A-9A0BC2856256}"/>
-              </a:ext>
-            </a:extLst>
-          </p:cNvPr>
+          <p:cNvPr id="4" name="Slide Number Placeholder 3"/>
           <p:cNvSpPr>
             <a:spLocks noGrp="1"/>
           </p:cNvSpPr>
@@ -5261,7 +5150,6 @@
           <a:p>
             <a:fld id="{B6F15528-21DE-4FAA-801E-634DDDAF4B2B}" type="slidenum">
               <a:rPr lang="en-IN" smtClean="0"/>
-              <a:t>7</a:t>
             </a:fld>
             <a:endParaRPr lang="en-IN"/>
           </a:p>
@@ -5326,8 +5214,8 @@
                 <a:solidFill>
                   <a:srgbClr val="130F24"/>
                 </a:solidFill>
-                <a:latin typeface="Courier New"/>
-                <a:cs typeface="Courier New"/>
+                <a:latin typeface="Courier New" panose="02070309020205020404"/>
+                <a:cs typeface="Courier New" panose="02070309020205020404"/>
               </a:rPr>
               <a:t>test(</a:t>
             </a:r>
@@ -5336,8 +5224,8 @@
                 <a:solidFill>
                   <a:srgbClr val="00A3FE"/>
                 </a:solidFill>
-                <a:latin typeface="Courier New"/>
-                <a:cs typeface="Courier New"/>
+                <a:latin typeface="Courier New" panose="02070309020205020404"/>
+                <a:cs typeface="Courier New" panose="02070309020205020404"/>
               </a:rPr>
               <a:t>'Unique</a:t>
             </a:r>
@@ -5346,8 +5234,8 @@
                 <a:solidFill>
                   <a:srgbClr val="00A3FE"/>
                 </a:solidFill>
-                <a:latin typeface="Courier New"/>
-                <a:cs typeface="Courier New"/>
+                <a:latin typeface="Courier New" panose="02070309020205020404"/>
+                <a:cs typeface="Courier New" panose="02070309020205020404"/>
               </a:rPr>
               <a:t> </a:t>
             </a:r>
@@ -5356,8 +5244,8 @@
                 <a:solidFill>
                   <a:srgbClr val="00A3FE"/>
                 </a:solidFill>
-                <a:latin typeface="Courier New"/>
-                <a:cs typeface="Courier New"/>
+                <a:latin typeface="Courier New" panose="02070309020205020404"/>
+                <a:cs typeface="Courier New" panose="02070309020205020404"/>
               </a:rPr>
               <a:t>test</a:t>
             </a:r>
@@ -5366,8 +5254,8 @@
                 <a:solidFill>
                   <a:srgbClr val="00A3FE"/>
                 </a:solidFill>
-                <a:latin typeface="Courier New"/>
-                <a:cs typeface="Courier New"/>
+                <a:latin typeface="Courier New" panose="02070309020205020404"/>
+                <a:cs typeface="Courier New" panose="02070309020205020404"/>
               </a:rPr>
               <a:t> </a:t>
             </a:r>
@@ -5376,8 +5264,8 @@
                 <a:solidFill>
                   <a:srgbClr val="00A3FE"/>
                 </a:solidFill>
-                <a:latin typeface="Courier New"/>
-                <a:cs typeface="Courier New"/>
+                <a:latin typeface="Courier New" panose="02070309020205020404"/>
+                <a:cs typeface="Courier New" panose="02070309020205020404"/>
               </a:rPr>
               <a:t>name</a:t>
             </a:r>
@@ -5386,8 +5274,8 @@
                 <a:solidFill>
                   <a:srgbClr val="00A3FE"/>
                 </a:solidFill>
-                <a:latin typeface="Courier New"/>
-                <a:cs typeface="Courier New"/>
+                <a:latin typeface="Courier New" panose="02070309020205020404"/>
+                <a:cs typeface="Courier New" panose="02070309020205020404"/>
               </a:rPr>
               <a:t> </a:t>
             </a:r>
@@ -5396,8 +5284,8 @@
                 <a:solidFill>
                   <a:srgbClr val="00A3FE"/>
                 </a:solidFill>
-                <a:latin typeface="Courier New"/>
-                <a:cs typeface="Courier New"/>
+                <a:latin typeface="Courier New" panose="02070309020205020404"/>
+                <a:cs typeface="Courier New" panose="02070309020205020404"/>
               </a:rPr>
               <a:t>in</a:t>
             </a:r>
@@ -5406,8 +5294,8 @@
                 <a:solidFill>
                   <a:srgbClr val="00A3FE"/>
                 </a:solidFill>
-                <a:latin typeface="Courier New"/>
-                <a:cs typeface="Courier New"/>
+                <a:latin typeface="Courier New" panose="02070309020205020404"/>
+                <a:cs typeface="Courier New" panose="02070309020205020404"/>
               </a:rPr>
               <a:t> </a:t>
             </a:r>
@@ -5416,8 +5304,8 @@
                 <a:solidFill>
                   <a:srgbClr val="00A3FE"/>
                 </a:solidFill>
-                <a:latin typeface="Courier New"/>
-                <a:cs typeface="Courier New"/>
+                <a:latin typeface="Courier New" panose="02070309020205020404"/>
+                <a:cs typeface="Courier New" panose="02070309020205020404"/>
               </a:rPr>
               <a:t>file'</a:t>
             </a:r>
@@ -5426,8 +5314,8 @@
                 <a:solidFill>
                   <a:srgbClr val="130F24"/>
                 </a:solidFill>
-                <a:latin typeface="Courier New"/>
-                <a:cs typeface="Courier New"/>
+                <a:latin typeface="Courier New" panose="02070309020205020404"/>
+                <a:cs typeface="Courier New" panose="02070309020205020404"/>
               </a:rPr>
               <a:t>,</a:t>
             </a:r>
@@ -5436,8 +5324,8 @@
                 <a:solidFill>
                   <a:srgbClr val="130F24"/>
                 </a:solidFill>
-                <a:latin typeface="Courier New"/>
-                <a:cs typeface="Courier New"/>
+                <a:latin typeface="Courier New" panose="02070309020205020404"/>
+                <a:cs typeface="Courier New" panose="02070309020205020404"/>
               </a:rPr>
               <a:t> </a:t>
             </a:r>
@@ -5446,8 +5334,8 @@
                 <a:solidFill>
                   <a:srgbClr val="130F24"/>
                 </a:solidFill>
-                <a:latin typeface="Courier New"/>
-                <a:cs typeface="Courier New"/>
+                <a:latin typeface="Courier New" panose="02070309020205020404"/>
+                <a:cs typeface="Courier New" panose="02070309020205020404"/>
               </a:rPr>
               <a:t>async</a:t>
             </a:r>
@@ -5456,8 +5344,8 @@
                 <a:solidFill>
                   <a:srgbClr val="130F24"/>
                 </a:solidFill>
-                <a:latin typeface="Courier New"/>
-                <a:cs typeface="Courier New"/>
+                <a:latin typeface="Courier New" panose="02070309020205020404"/>
+                <a:cs typeface="Courier New" panose="02070309020205020404"/>
               </a:rPr>
               <a:t> </a:t>
             </a:r>
@@ -5466,8 +5354,8 @@
                 <a:solidFill>
                   <a:srgbClr val="130F24"/>
                 </a:solidFill>
-                <a:latin typeface="Courier New"/>
-                <a:cs typeface="Courier New"/>
+                <a:latin typeface="Courier New" panose="02070309020205020404"/>
+                <a:cs typeface="Courier New" panose="02070309020205020404"/>
               </a:rPr>
               <a:t>({ </a:t>
             </a:r>
@@ -5476,8 +5364,8 @@
                 <a:solidFill>
                   <a:srgbClr val="FF1675"/>
                 </a:solidFill>
-                <a:latin typeface="Courier New"/>
-                <a:cs typeface="Courier New"/>
+                <a:latin typeface="Courier New" panose="02070309020205020404"/>
+                <a:cs typeface="Courier New" panose="02070309020205020404"/>
               </a:rPr>
               <a:t>page</a:t>
             </a:r>
@@ -5486,8 +5374,8 @@
                 <a:solidFill>
                   <a:srgbClr val="FF1675"/>
                 </a:solidFill>
-                <a:latin typeface="Courier New"/>
-                <a:cs typeface="Courier New"/>
+                <a:latin typeface="Courier New" panose="02070309020205020404"/>
+                <a:cs typeface="Courier New" panose="02070309020205020404"/>
               </a:rPr>
               <a:t> </a:t>
             </a:r>
@@ -5496,8 +5384,8 @@
                 <a:solidFill>
                   <a:srgbClr val="130F24"/>
                 </a:solidFill>
-                <a:latin typeface="Courier New"/>
-                <a:cs typeface="Courier New"/>
+                <a:latin typeface="Courier New" panose="02070309020205020404"/>
+                <a:cs typeface="Courier New" panose="02070309020205020404"/>
               </a:rPr>
               <a:t>})</a:t>
             </a:r>
@@ -5506,8 +5394,8 @@
                 <a:solidFill>
                   <a:srgbClr val="130F24"/>
                 </a:solidFill>
-                <a:latin typeface="Courier New"/>
-                <a:cs typeface="Courier New"/>
+                <a:latin typeface="Courier New" panose="02070309020205020404"/>
+                <a:cs typeface="Courier New" panose="02070309020205020404"/>
               </a:rPr>
               <a:t> </a:t>
             </a:r>
@@ -5516,8 +5404,8 @@
                 <a:solidFill>
                   <a:srgbClr val="130F24"/>
                 </a:solidFill>
-                <a:latin typeface="Courier New"/>
-                <a:cs typeface="Courier New"/>
+                <a:latin typeface="Courier New" panose="02070309020205020404"/>
+                <a:cs typeface="Courier New" panose="02070309020205020404"/>
               </a:rPr>
               <a:t>=&gt;</a:t>
             </a:r>
@@ -5526,8 +5414,8 @@
                 <a:solidFill>
                   <a:srgbClr val="130F24"/>
                 </a:solidFill>
-                <a:latin typeface="Courier New"/>
-                <a:cs typeface="Courier New"/>
+                <a:latin typeface="Courier New" panose="02070309020205020404"/>
+                <a:cs typeface="Courier New" panose="02070309020205020404"/>
               </a:rPr>
               <a:t> </a:t>
             </a:r>
@@ -5536,14 +5424,14 @@
                 <a:solidFill>
                   <a:srgbClr val="130F24"/>
                 </a:solidFill>
-                <a:latin typeface="Courier New"/>
-                <a:cs typeface="Courier New"/>
+                <a:latin typeface="Courier New" panose="02070309020205020404"/>
+                <a:cs typeface="Courier New" panose="02070309020205020404"/>
               </a:rPr>
               <a:t>{</a:t>
             </a:r>
             <a:endParaRPr sz="3600">
-              <a:latin typeface="Courier New"/>
-              <a:cs typeface="Courier New"/>
+              <a:latin typeface="Courier New" panose="02070309020205020404"/>
+              <a:cs typeface="Courier New" panose="02070309020205020404"/>
             </a:endParaRPr>
           </a:p>
           <a:p>
@@ -5556,8 +5444,8 @@
               </a:spcBef>
             </a:pPr>
             <a:endParaRPr sz="4550">
-              <a:latin typeface="Courier New"/>
-              <a:cs typeface="Courier New"/>
+              <a:latin typeface="Courier New" panose="02070309020205020404"/>
+              <a:cs typeface="Courier New" panose="02070309020205020404"/>
             </a:endParaRPr>
           </a:p>
           <a:p>
@@ -5574,8 +5462,8 @@
                 <a:solidFill>
                   <a:srgbClr val="130F24"/>
                 </a:solidFill>
-                <a:latin typeface="Courier New"/>
-                <a:cs typeface="Courier New"/>
+                <a:latin typeface="Courier New" panose="02070309020205020404"/>
+                <a:cs typeface="Courier New" panose="02070309020205020404"/>
               </a:rPr>
               <a:t>await</a:t>
             </a:r>
@@ -5584,8 +5472,8 @@
                 <a:solidFill>
                   <a:srgbClr val="130F24"/>
                 </a:solidFill>
-                <a:latin typeface="Courier New"/>
-                <a:cs typeface="Courier New"/>
+                <a:latin typeface="Courier New" panose="02070309020205020404"/>
+                <a:cs typeface="Courier New" panose="02070309020205020404"/>
               </a:rPr>
               <a:t> </a:t>
             </a:r>
@@ -5594,8 +5482,8 @@
                 <a:solidFill>
                   <a:srgbClr val="FF1675"/>
                 </a:solidFill>
-                <a:latin typeface="Courier New"/>
-                <a:cs typeface="Courier New"/>
+                <a:latin typeface="Courier New" panose="02070309020205020404"/>
+                <a:cs typeface="Courier New" panose="02070309020205020404"/>
               </a:rPr>
               <a:t>page</a:t>
             </a:r>
@@ -5604,14 +5492,14 @@
                 <a:solidFill>
                   <a:srgbClr val="130F24"/>
                 </a:solidFill>
-                <a:latin typeface="Courier New"/>
-                <a:cs typeface="Courier New"/>
+                <a:latin typeface="Courier New" panose="02070309020205020404"/>
+                <a:cs typeface="Courier New" panose="02070309020205020404"/>
               </a:rPr>
               <a:t>.goto('url');</a:t>
             </a:r>
             <a:endParaRPr sz="3600">
-              <a:latin typeface="Courier New"/>
-              <a:cs typeface="Courier New"/>
+              <a:latin typeface="Courier New" panose="02070309020205020404"/>
+              <a:cs typeface="Courier New" panose="02070309020205020404"/>
             </a:endParaRPr>
           </a:p>
           <a:p>
@@ -5624,8 +5512,8 @@
               </a:spcBef>
             </a:pPr>
             <a:endParaRPr sz="4550">
-              <a:latin typeface="Courier New"/>
-              <a:cs typeface="Courier New"/>
+              <a:latin typeface="Courier New" panose="02070309020205020404"/>
+              <a:cs typeface="Courier New" panose="02070309020205020404"/>
             </a:endParaRPr>
           </a:p>
           <a:p>
@@ -5642,8 +5530,8 @@
                 <a:solidFill>
                   <a:srgbClr val="7F7F7F"/>
                 </a:solidFill>
-                <a:latin typeface="Courier New"/>
-                <a:cs typeface="Courier New"/>
+                <a:latin typeface="Courier New" panose="02070309020205020404"/>
+                <a:cs typeface="Courier New" panose="02070309020205020404"/>
               </a:rPr>
               <a:t>//</a:t>
             </a:r>
@@ -5652,8 +5540,8 @@
                 <a:solidFill>
                   <a:srgbClr val="7F7F7F"/>
                 </a:solidFill>
-                <a:latin typeface="Courier New"/>
-                <a:cs typeface="Courier New"/>
+                <a:latin typeface="Courier New" panose="02070309020205020404"/>
+                <a:cs typeface="Courier New" panose="02070309020205020404"/>
               </a:rPr>
               <a:t> </a:t>
             </a:r>
@@ -5662,8 +5550,8 @@
                 <a:solidFill>
                   <a:srgbClr val="7F7F7F"/>
                 </a:solidFill>
-                <a:latin typeface="Courier New"/>
-                <a:cs typeface="Courier New"/>
+                <a:latin typeface="Courier New" panose="02070309020205020404"/>
+                <a:cs typeface="Courier New" panose="02070309020205020404"/>
               </a:rPr>
               <a:t>with</a:t>
             </a:r>
@@ -5672,8 +5560,8 @@
                 <a:solidFill>
                   <a:srgbClr val="7F7F7F"/>
                 </a:solidFill>
-                <a:latin typeface="Courier New"/>
-                <a:cs typeface="Courier New"/>
+                <a:latin typeface="Courier New" panose="02070309020205020404"/>
+                <a:cs typeface="Courier New" panose="02070309020205020404"/>
               </a:rPr>
               <a:t> </a:t>
             </a:r>
@@ -5682,14 +5570,14 @@
                 <a:solidFill>
                   <a:srgbClr val="7F7F7F"/>
                 </a:solidFill>
-                <a:latin typeface="Courier New"/>
-                <a:cs typeface="Courier New"/>
+                <a:latin typeface="Courier New" panose="02070309020205020404"/>
+                <a:cs typeface="Courier New" panose="02070309020205020404"/>
               </a:rPr>
               <a:t>retries</a:t>
             </a:r>
             <a:endParaRPr sz="3600">
-              <a:latin typeface="Courier New"/>
-              <a:cs typeface="Courier New"/>
+              <a:latin typeface="Courier New" panose="02070309020205020404"/>
+              <a:cs typeface="Courier New" panose="02070309020205020404"/>
             </a:endParaRPr>
           </a:p>
           <a:p>
@@ -5706,8 +5594,8 @@
                 <a:solidFill>
                   <a:srgbClr val="130F24"/>
                 </a:solidFill>
-                <a:latin typeface="Courier New"/>
-                <a:cs typeface="Courier New"/>
+                <a:latin typeface="Courier New" panose="02070309020205020404"/>
+                <a:cs typeface="Courier New" panose="02070309020205020404"/>
               </a:rPr>
               <a:t>await</a:t>
             </a:r>
@@ -5716,8 +5604,8 @@
                 <a:solidFill>
                   <a:srgbClr val="130F24"/>
                 </a:solidFill>
-                <a:latin typeface="Courier New"/>
-                <a:cs typeface="Courier New"/>
+                <a:latin typeface="Courier New" panose="02070309020205020404"/>
+                <a:cs typeface="Courier New" panose="02070309020205020404"/>
               </a:rPr>
               <a:t> </a:t>
             </a:r>
@@ -5726,8 +5614,8 @@
                 <a:solidFill>
                   <a:srgbClr val="130F24"/>
                 </a:solidFill>
-                <a:latin typeface="Courier New"/>
-                <a:cs typeface="Courier New"/>
+                <a:latin typeface="Courier New" panose="02070309020205020404"/>
+                <a:cs typeface="Courier New" panose="02070309020205020404"/>
               </a:rPr>
               <a:t>expect(page).toHaveTitle(</a:t>
             </a:r>
@@ -5736,8 +5624,8 @@
                 <a:solidFill>
                   <a:srgbClr val="00A3FE"/>
                 </a:solidFill>
-                <a:latin typeface="Courier New"/>
-                <a:cs typeface="Courier New"/>
+                <a:latin typeface="Courier New" panose="02070309020205020404"/>
+                <a:cs typeface="Courier New" panose="02070309020205020404"/>
               </a:rPr>
               <a:t>'Welcome'</a:t>
             </a:r>
@@ -5746,14 +5634,14 @@
                 <a:solidFill>
                   <a:srgbClr val="130F24"/>
                 </a:solidFill>
-                <a:latin typeface="Courier New"/>
-                <a:cs typeface="Courier New"/>
+                <a:latin typeface="Courier New" panose="02070309020205020404"/>
+                <a:cs typeface="Courier New" panose="02070309020205020404"/>
               </a:rPr>
               <a:t>);</a:t>
             </a:r>
             <a:endParaRPr sz="3600">
-              <a:latin typeface="Courier New"/>
-              <a:cs typeface="Courier New"/>
+              <a:latin typeface="Courier New" panose="02070309020205020404"/>
+              <a:cs typeface="Courier New" panose="02070309020205020404"/>
             </a:endParaRPr>
           </a:p>
           <a:p>
@@ -5766,8 +5654,8 @@
               </a:spcBef>
             </a:pPr>
             <a:endParaRPr sz="4550">
-              <a:latin typeface="Courier New"/>
-              <a:cs typeface="Courier New"/>
+              <a:latin typeface="Courier New" panose="02070309020205020404"/>
+              <a:cs typeface="Courier New" panose="02070309020205020404"/>
             </a:endParaRPr>
           </a:p>
           <a:p>
@@ -5781,14 +5669,14 @@
                 <a:solidFill>
                   <a:srgbClr val="130F24"/>
                 </a:solidFill>
-                <a:latin typeface="Courier New"/>
-                <a:cs typeface="Courier New"/>
+                <a:latin typeface="Courier New" panose="02070309020205020404"/>
+                <a:cs typeface="Courier New" panose="02070309020205020404"/>
               </a:rPr>
               <a:t>});</a:t>
             </a:r>
             <a:endParaRPr sz="3600">
-              <a:latin typeface="Courier New"/>
-              <a:cs typeface="Courier New"/>
+              <a:latin typeface="Courier New" panose="02070309020205020404"/>
+              <a:cs typeface="Courier New" panose="02070309020205020404"/>
             </a:endParaRPr>
           </a:p>
           <a:p>
@@ -5801,8 +5689,8 @@
               </a:spcBef>
             </a:pPr>
             <a:endParaRPr sz="4550">
-              <a:latin typeface="Courier New"/>
-              <a:cs typeface="Courier New"/>
+              <a:latin typeface="Courier New" panose="02070309020205020404"/>
+              <a:cs typeface="Courier New" panose="02070309020205020404"/>
             </a:endParaRPr>
           </a:p>
           <a:p>
@@ -5816,8 +5704,8 @@
                 <a:solidFill>
                   <a:srgbClr val="770EF7"/>
                 </a:solidFill>
-                <a:latin typeface="Courier New"/>
-                <a:cs typeface="Courier New"/>
+                <a:latin typeface="Courier New" panose="02070309020205020404"/>
+                <a:cs typeface="Courier New" panose="02070309020205020404"/>
               </a:rPr>
               <a:t>title():</a:t>
             </a:r>
@@ -5826,8 +5714,8 @@
                 <a:solidFill>
                   <a:srgbClr val="770EF7"/>
                 </a:solidFill>
-                <a:latin typeface="Courier New"/>
-                <a:cs typeface="Courier New"/>
+                <a:latin typeface="Courier New" panose="02070309020205020404"/>
+                <a:cs typeface="Courier New" panose="02070309020205020404"/>
               </a:rPr>
               <a:t> </a:t>
             </a:r>
@@ -5836,14 +5724,14 @@
                 <a:solidFill>
                   <a:srgbClr val="770EF7"/>
                 </a:solidFill>
-                <a:latin typeface="Courier New"/>
-                <a:cs typeface="Courier New"/>
+                <a:latin typeface="Courier New" panose="02070309020205020404"/>
+                <a:cs typeface="Courier New" panose="02070309020205020404"/>
               </a:rPr>
               <a:t>Promise&lt;string&gt;;</a:t>
             </a:r>
             <a:endParaRPr sz="3600">
-              <a:latin typeface="Courier New"/>
-              <a:cs typeface="Courier New"/>
+              <a:latin typeface="Courier New" panose="02070309020205020404"/>
+              <a:cs typeface="Courier New" panose="02070309020205020404"/>
             </a:endParaRPr>
           </a:p>
         </p:txBody>
@@ -5943,9 +5831,7 @@
         <p:txBody>
           <a:bodyPr wrap="square" lIns="0" tIns="0" rIns="0" bIns="0" rtlCol="0"/>
           <a:lstStyle/>
-          <a:p>
-            <a:endParaRPr/>
-          </a:p>
+          <a:p/>
         </p:txBody>
       </p:sp>
       <p:sp>
@@ -6043,20 +5929,12 @@
         <p:txBody>
           <a:bodyPr wrap="square" lIns="0" tIns="0" rIns="0" bIns="0" rtlCol="0"/>
           <a:lstStyle/>
-          <a:p>
-            <a:endParaRPr/>
-          </a:p>
+          <a:p/>
         </p:txBody>
       </p:sp>
       <p:sp>
         <p:nvSpPr>
-          <p:cNvPr id="5" name="Slide Number Placeholder 4">
-            <a:extLst>
-              <a:ext uri="{FF2B5EF4-FFF2-40B4-BE49-F238E27FC236}">
-                <a16:creationId xmlns:a16="http://schemas.microsoft.com/office/drawing/2014/main" id="{46D24289-538C-5C12-233A-C4C52FCD24C5}"/>
-              </a:ext>
-            </a:extLst>
-          </p:cNvPr>
+          <p:cNvPr id="5" name="Slide Number Placeholder 4"/>
           <p:cNvSpPr>
             <a:spLocks noGrp="1"/>
           </p:cNvSpPr>
@@ -6071,7 +5949,6 @@
           <a:p>
             <a:fld id="{B6F15528-21DE-4FAA-801E-634DDDAF4B2B}" type="slidenum">
               <a:rPr lang="en-IN" smtClean="0"/>
-              <a:t>8</a:t>
             </a:fld>
             <a:endParaRPr lang="en-IN"/>
           </a:p>
@@ -6121,34 +5998,10 @@
                 <a:tableStyleId>{2D5ABB26-0587-4C30-8999-92F81FD0307C}</a:tableStyleId>
               </a:tblPr>
               <a:tblGrid>
-                <a:gridCol w="993140">
-                  <a:extLst>
-                    <a:ext uri="{9D8B030D-6E8A-4147-A177-3AD203B41FA5}">
-                      <a16:colId xmlns:a16="http://schemas.microsoft.com/office/drawing/2014/main" val="20000"/>
-                    </a:ext>
-                  </a:extLst>
-                </a:gridCol>
-                <a:gridCol w="3020695">
-                  <a:extLst>
-                    <a:ext uri="{9D8B030D-6E8A-4147-A177-3AD203B41FA5}">
-                      <a16:colId xmlns:a16="http://schemas.microsoft.com/office/drawing/2014/main" val="20001"/>
-                    </a:ext>
-                  </a:extLst>
-                </a:gridCol>
-                <a:gridCol w="1373505">
-                  <a:extLst>
-                    <a:ext uri="{9D8B030D-6E8A-4147-A177-3AD203B41FA5}">
-                      <a16:colId xmlns:a16="http://schemas.microsoft.com/office/drawing/2014/main" val="20002"/>
-                    </a:ext>
-                  </a:extLst>
-                </a:gridCol>
-                <a:gridCol w="6485890">
-                  <a:extLst>
-                    <a:ext uri="{9D8B030D-6E8A-4147-A177-3AD203B41FA5}">
-                      <a16:colId xmlns:a16="http://schemas.microsoft.com/office/drawing/2014/main" val="20003"/>
-                    </a:ext>
-                  </a:extLst>
-                </a:gridCol>
+                <a:gridCol w="993140"/>
+                <a:gridCol w="3020695"/>
+                <a:gridCol w="1373505"/>
+                <a:gridCol w="6485890"/>
               </a:tblGrid>
               <a:tr h="904992">
                 <a:tc>
@@ -6169,14 +6022,14 @@
                           <a:solidFill>
                             <a:srgbClr val="FF1675"/>
                           </a:solidFill>
-                          <a:latin typeface="Courier New"/>
-                          <a:cs typeface="Courier New"/>
+                          <a:latin typeface="Courier New" panose="02070309020205020404"/>
+                          <a:cs typeface="Courier New" panose="02070309020205020404"/>
                         </a:rPr>
                         <a:t>npx</a:t>
                       </a:r>
                       <a:endParaRPr sz="3600">
-                        <a:latin typeface="Courier New"/>
-                        <a:cs typeface="Courier New"/>
+                        <a:latin typeface="Courier New" panose="02070309020205020404"/>
+                        <a:cs typeface="Courier New" panose="02070309020205020404"/>
                       </a:endParaRPr>
                     </a:p>
                   </a:txBody>
@@ -6204,14 +6057,14 @@
                           <a:solidFill>
                             <a:srgbClr val="130F24"/>
                           </a:solidFill>
-                          <a:latin typeface="Courier New"/>
-                          <a:cs typeface="Courier New"/>
+                          <a:latin typeface="Courier New" panose="02070309020205020404"/>
+                          <a:cs typeface="Courier New" panose="02070309020205020404"/>
                         </a:rPr>
                         <a:t>playwright</a:t>
                       </a:r>
                       <a:endParaRPr sz="3600">
-                        <a:latin typeface="Courier New"/>
-                        <a:cs typeface="Courier New"/>
+                        <a:latin typeface="Courier New" panose="02070309020205020404"/>
+                        <a:cs typeface="Courier New" panose="02070309020205020404"/>
                       </a:endParaRPr>
                     </a:p>
                   </a:txBody>
@@ -6226,7 +6079,7 @@
                     <a:bodyPr/>
                     <a:lstStyle/>
                     <a:p>
-                      <a:pPr marR="129539" algn="r">
+                      <a:pPr marR="129540" algn="r">
                         <a:lnSpc>
                           <a:spcPct val="100000"/>
                         </a:lnSpc>
@@ -6239,14 +6092,14 @@
                           <a:solidFill>
                             <a:srgbClr val="FF1675"/>
                           </a:solidFill>
-                          <a:latin typeface="Courier New"/>
-                          <a:cs typeface="Courier New"/>
+                          <a:latin typeface="Courier New" panose="02070309020205020404"/>
+                          <a:cs typeface="Courier New" panose="02070309020205020404"/>
                         </a:rPr>
                         <a:t>test</a:t>
                       </a:r>
                       <a:endParaRPr sz="3600">
-                        <a:latin typeface="Courier New"/>
-                        <a:cs typeface="Courier New"/>
+                        <a:latin typeface="Courier New" panose="02070309020205020404"/>
+                        <a:cs typeface="Courier New" panose="02070309020205020404"/>
                       </a:endParaRPr>
                     </a:p>
                   </a:txBody>
@@ -6267,8 +6120,8 @@
                         </a:lnSpc>
                       </a:pPr>
                       <a:endParaRPr sz="3600">
-                        <a:latin typeface="Times New Roman"/>
-                        <a:cs typeface="Times New Roman"/>
+                        <a:latin typeface="Times New Roman" panose="02020603050405020304"/>
+                        <a:cs typeface="Times New Roman" panose="02020603050405020304"/>
                       </a:endParaRPr>
                     </a:p>
                   </a:txBody>
@@ -6278,11 +6131,6 @@
                     </a:solidFill>
                   </a:tcPr>
                 </a:tc>
-                <a:extLst>
-                  <a:ext uri="{0D108BD9-81ED-4DB2-BD59-A6C34878D82A}">
-                    <a16:rowId xmlns:a16="http://schemas.microsoft.com/office/drawing/2014/main" val="10000"/>
-                  </a:ext>
-                </a:extLst>
               </a:tr>
               <a:tr h="1207007">
                 <a:tc>
@@ -6303,14 +6151,14 @@
                           <a:solidFill>
                             <a:srgbClr val="FF1675"/>
                           </a:solidFill>
-                          <a:latin typeface="Courier New"/>
-                          <a:cs typeface="Courier New"/>
+                          <a:latin typeface="Courier New" panose="02070309020205020404"/>
+                          <a:cs typeface="Courier New" panose="02070309020205020404"/>
                         </a:rPr>
                         <a:t>npx</a:t>
                       </a:r>
                       <a:endParaRPr sz="3600">
-                        <a:latin typeface="Courier New"/>
-                        <a:cs typeface="Courier New"/>
+                        <a:latin typeface="Courier New" panose="02070309020205020404"/>
+                        <a:cs typeface="Courier New" panose="02070309020205020404"/>
                       </a:endParaRPr>
                     </a:p>
                   </a:txBody>
@@ -6338,14 +6186,14 @@
                           <a:solidFill>
                             <a:srgbClr val="130F24"/>
                           </a:solidFill>
-                          <a:latin typeface="Courier New"/>
-                          <a:cs typeface="Courier New"/>
+                          <a:latin typeface="Courier New" panose="02070309020205020404"/>
+                          <a:cs typeface="Courier New" panose="02070309020205020404"/>
                         </a:rPr>
                         <a:t>playwright</a:t>
                       </a:r>
                       <a:endParaRPr sz="3600">
-                        <a:latin typeface="Courier New"/>
-                        <a:cs typeface="Courier New"/>
+                        <a:latin typeface="Courier New" panose="02070309020205020404"/>
+                        <a:cs typeface="Courier New" panose="02070309020205020404"/>
                       </a:endParaRPr>
                     </a:p>
                   </a:txBody>
@@ -6360,7 +6208,7 @@
                     <a:bodyPr/>
                     <a:lstStyle/>
                     <a:p>
-                      <a:pPr marR="129539" algn="r">
+                      <a:pPr marR="129540" algn="r">
                         <a:lnSpc>
                           <a:spcPct val="100000"/>
                         </a:lnSpc>
@@ -6373,14 +6221,14 @@
                           <a:solidFill>
                             <a:srgbClr val="FF1675"/>
                           </a:solidFill>
-                          <a:latin typeface="Courier New"/>
-                          <a:cs typeface="Courier New"/>
+                          <a:latin typeface="Courier New" panose="02070309020205020404"/>
+                          <a:cs typeface="Courier New" panose="02070309020205020404"/>
                         </a:rPr>
                         <a:t>test</a:t>
                       </a:r>
                       <a:endParaRPr sz="3600">
-                        <a:latin typeface="Courier New"/>
-                        <a:cs typeface="Courier New"/>
+                        <a:latin typeface="Courier New" panose="02070309020205020404"/>
+                        <a:cs typeface="Courier New" panose="02070309020205020404"/>
                       </a:endParaRPr>
                     </a:p>
                   </a:txBody>
@@ -6408,14 +6256,14 @@
                           <a:solidFill>
                             <a:srgbClr val="130F24"/>
                           </a:solidFill>
-                          <a:latin typeface="Courier New"/>
-                          <a:cs typeface="Courier New"/>
+                          <a:latin typeface="Courier New" panose="02070309020205020404"/>
+                          <a:cs typeface="Courier New" panose="02070309020205020404"/>
                         </a:rPr>
                         <a:t>tests/your-file.spec.ts</a:t>
                       </a:r>
                       <a:endParaRPr sz="3600">
-                        <a:latin typeface="Courier New"/>
-                        <a:cs typeface="Courier New"/>
+                        <a:latin typeface="Courier New" panose="02070309020205020404"/>
+                        <a:cs typeface="Courier New" panose="02070309020205020404"/>
                       </a:endParaRPr>
                     </a:p>
                   </a:txBody>
@@ -6425,11 +6273,6 @@
                     </a:solidFill>
                   </a:tcPr>
                 </a:tc>
-                <a:extLst>
-                  <a:ext uri="{0D108BD9-81ED-4DB2-BD59-A6C34878D82A}">
-                    <a16:rowId xmlns:a16="http://schemas.microsoft.com/office/drawing/2014/main" val="10001"/>
-                  </a:ext>
-                </a:extLst>
               </a:tr>
               <a:tr h="904992">
                 <a:tc>
@@ -6450,14 +6293,14 @@
                           <a:solidFill>
                             <a:srgbClr val="FF1675"/>
                           </a:solidFill>
-                          <a:latin typeface="Courier New"/>
-                          <a:cs typeface="Courier New"/>
+                          <a:latin typeface="Courier New" panose="02070309020205020404"/>
+                          <a:cs typeface="Courier New" panose="02070309020205020404"/>
                         </a:rPr>
                         <a:t>npx</a:t>
                       </a:r>
                       <a:endParaRPr sz="3600">
-                        <a:latin typeface="Courier New"/>
-                        <a:cs typeface="Courier New"/>
+                        <a:latin typeface="Courier New" panose="02070309020205020404"/>
+                        <a:cs typeface="Courier New" panose="02070309020205020404"/>
                       </a:endParaRPr>
                     </a:p>
                   </a:txBody>
@@ -6485,14 +6328,14 @@
                           <a:solidFill>
                             <a:srgbClr val="130F24"/>
                           </a:solidFill>
-                          <a:latin typeface="Courier New"/>
-                          <a:cs typeface="Courier New"/>
+                          <a:latin typeface="Courier New" panose="02070309020205020404"/>
+                          <a:cs typeface="Courier New" panose="02070309020205020404"/>
                         </a:rPr>
                         <a:t>playwright</a:t>
                       </a:r>
                       <a:endParaRPr sz="3600">
-                        <a:latin typeface="Courier New"/>
-                        <a:cs typeface="Courier New"/>
+                        <a:latin typeface="Courier New" panose="02070309020205020404"/>
+                        <a:cs typeface="Courier New" panose="02070309020205020404"/>
                       </a:endParaRPr>
                     </a:p>
                   </a:txBody>
@@ -6507,7 +6350,7 @@
                     <a:bodyPr/>
                     <a:lstStyle/>
                     <a:p>
-                      <a:pPr marR="129539" algn="r">
+                      <a:pPr marR="129540" algn="r">
                         <a:lnSpc>
                           <a:spcPct val="100000"/>
                         </a:lnSpc>
@@ -6520,14 +6363,14 @@
                           <a:solidFill>
                             <a:srgbClr val="FF1675"/>
                           </a:solidFill>
-                          <a:latin typeface="Courier New"/>
-                          <a:cs typeface="Courier New"/>
+                          <a:latin typeface="Courier New" panose="02070309020205020404"/>
+                          <a:cs typeface="Courier New" panose="02070309020205020404"/>
                         </a:rPr>
                         <a:t>test</a:t>
                       </a:r>
                       <a:endParaRPr sz="3600">
-                        <a:latin typeface="Courier New"/>
-                        <a:cs typeface="Courier New"/>
+                        <a:latin typeface="Courier New" panose="02070309020205020404"/>
+                        <a:cs typeface="Courier New" panose="02070309020205020404"/>
                       </a:endParaRPr>
                     </a:p>
                   </a:txBody>
@@ -6555,14 +6398,14 @@
                           <a:solidFill>
                             <a:srgbClr val="130F24"/>
                           </a:solidFill>
-                          <a:latin typeface="Courier New"/>
-                          <a:cs typeface="Courier New"/>
+                          <a:latin typeface="Courier New" panose="02070309020205020404"/>
+                          <a:cs typeface="Courier New" panose="02070309020205020404"/>
                         </a:rPr>
                         <a:t>tests/your-dir/</a:t>
                       </a:r>
                       <a:endParaRPr sz="3600">
-                        <a:latin typeface="Courier New"/>
-                        <a:cs typeface="Courier New"/>
+                        <a:latin typeface="Courier New" panose="02070309020205020404"/>
+                        <a:cs typeface="Courier New" panose="02070309020205020404"/>
                       </a:endParaRPr>
                     </a:p>
                   </a:txBody>
@@ -6572,11 +6415,6 @@
                     </a:solidFill>
                   </a:tcPr>
                 </a:tc>
-                <a:extLst>
-                  <a:ext uri="{0D108BD9-81ED-4DB2-BD59-A6C34878D82A}">
-                    <a16:rowId xmlns:a16="http://schemas.microsoft.com/office/drawing/2014/main" val="10002"/>
-                  </a:ext>
-                </a:extLst>
               </a:tr>
             </a:tbl>
           </a:graphicData>
@@ -6589,7 +6427,7 @@
           <p:nvPr/>
         </p:nvPicPr>
         <p:blipFill>
-          <a:blip r:embed="rId2" cstate="print"/>
+          <a:blip r:embed="rId1" cstate="print"/>
           <a:stretch>
             <a:fillRect/>
           </a:stretch>
@@ -6606,13 +6444,7 @@
       </p:pic>
       <p:sp>
         <p:nvSpPr>
-          <p:cNvPr id="4" name="Slide Number Placeholder 3">
-            <a:extLst>
-              <a:ext uri="{FF2B5EF4-FFF2-40B4-BE49-F238E27FC236}">
-                <a16:creationId xmlns:a16="http://schemas.microsoft.com/office/drawing/2014/main" id="{1ABEAE83-9F3A-7B3C-9CF8-58D2850B4B7D}"/>
-              </a:ext>
-            </a:extLst>
-          </p:cNvPr>
+          <p:cNvPr id="4" name="Slide Number Placeholder 3"/>
           <p:cNvSpPr>
             <a:spLocks noGrp="1"/>
           </p:cNvSpPr>
@@ -6627,7 +6459,6 @@
           <a:p>
             <a:fld id="{B6F15528-21DE-4FAA-801E-634DDDAF4B2B}" type="slidenum">
               <a:rPr lang="en-IN" smtClean="0"/>
-              <a:t>9</a:t>
             </a:fld>
             <a:endParaRPr lang="en-IN"/>
           </a:p>
@@ -6919,8 +6750,11 @@
       </a:bgFillStyleLst>
     </a:fmtScheme>
   </a:themeElements>
-  <a:objectDefaults/>
-  <a:extraClrSchemeLst/>
+  <a:extLst>
+    <a:ext uri="{05A4C25C-085E-4340-85A3-A5531E510DB2}">
+      <thm15:themeFamily xmlns:thm15="http://schemas.microsoft.com/office/thememl/2012/main" name="Office Theme" id="{62F939B6-93AF-4DB8-9C6B-D6C7DFDC589F}" vid="{4A3C46E8-61CC-4603-A589-7422A47A8E4A}"/>
+    </a:ext>
+  </a:extLst>
 </a:theme>
 </file>
 
@@ -6967,7 +6801,7 @@
     </a:clrScheme>
     <a:fontScheme name="Office">
       <a:majorFont>
-        <a:latin typeface="Calibri Light" panose="020F0302020204030204"/>
+        <a:latin typeface="Calibri Light"/>
         <a:ea typeface=""/>
         <a:cs typeface=""/>
         <a:font script="Jpan" typeface="游ゴシック Light"/>
@@ -7000,26 +6834,9 @@
         <a:font script="Viet" typeface="Times New Roman"/>
         <a:font script="Uigh" typeface="Microsoft Uighur"/>
         <a:font script="Geor" typeface="Sylfaen"/>
-        <a:font script="Armn" typeface="Arial"/>
-        <a:font script="Bugi" typeface="Leelawadee UI"/>
-        <a:font script="Bopo" typeface="Microsoft JhengHei"/>
-        <a:font script="Java" typeface="Javanese Text"/>
-        <a:font script="Lisu" typeface="Segoe UI"/>
-        <a:font script="Mymr" typeface="Myanmar Text"/>
-        <a:font script="Nkoo" typeface="Ebrima"/>
-        <a:font script="Olck" typeface="Nirmala UI"/>
-        <a:font script="Osma" typeface="Ebrima"/>
-        <a:font script="Phag" typeface="Phagspa"/>
-        <a:font script="Syrn" typeface="Estrangelo Edessa"/>
-        <a:font script="Syrj" typeface="Estrangelo Edessa"/>
-        <a:font script="Syre" typeface="Estrangelo Edessa"/>
-        <a:font script="Sora" typeface="Nirmala UI"/>
-        <a:font script="Tale" typeface="Microsoft Tai Le"/>
-        <a:font script="Talu" typeface="Microsoft New Tai Lue"/>
-        <a:font script="Tfng" typeface="Ebrima"/>
       </a:majorFont>
       <a:minorFont>
-        <a:latin typeface="Calibri" panose="020F0502020204030204"/>
+        <a:latin typeface="Calibri"/>
         <a:ea typeface=""/>
         <a:cs typeface=""/>
         <a:font script="Jpan" typeface="游ゴシック"/>
@@ -7052,23 +6869,6 @@
         <a:font script="Viet" typeface="Arial"/>
         <a:font script="Uigh" typeface="Microsoft Uighur"/>
         <a:font script="Geor" typeface="Sylfaen"/>
-        <a:font script="Armn" typeface="Arial"/>
-        <a:font script="Bugi" typeface="Leelawadee UI"/>
-        <a:font script="Bopo" typeface="Microsoft JhengHei"/>
-        <a:font script="Java" typeface="Javanese Text"/>
-        <a:font script="Lisu" typeface="Segoe UI"/>
-        <a:font script="Mymr" typeface="Myanmar Text"/>
-        <a:font script="Nkoo" typeface="Ebrima"/>
-        <a:font script="Olck" typeface="Nirmala UI"/>
-        <a:font script="Osma" typeface="Ebrima"/>
-        <a:font script="Phag" typeface="Phagspa"/>
-        <a:font script="Syrn" typeface="Estrangelo Edessa"/>
-        <a:font script="Syrj" typeface="Estrangelo Edessa"/>
-        <a:font script="Syre" typeface="Estrangelo Edessa"/>
-        <a:font script="Sora" typeface="Nirmala UI"/>
-        <a:font script="Tale" typeface="Microsoft Tai Le"/>
-        <a:font script="Talu" typeface="Microsoft New Tai Lue"/>
-        <a:font script="Tfng" typeface="Ebrima"/>
       </a:minorFont>
     </a:fontScheme>
     <a:fmtScheme name="Office">
@@ -7209,8 +7009,6 @@
       </a:bgFillStyleLst>
     </a:fmtScheme>
   </a:themeElements>
-  <a:objectDefaults/>
-  <a:extraClrSchemeLst/>
   <a:extLst>
     <a:ext uri="{05A4C25C-085E-4340-85A3-A5531E510DB2}">
       <thm15:themeFamily xmlns:thm15="http://schemas.microsoft.com/office/thememl/2012/main" name="Office Theme" id="{62F939B6-93AF-4DB8-9C6B-D6C7DFDC589F}" vid="{4A3C46E8-61CC-4603-A589-7422A47A8E4A}"/>
